--- a/Documentos/Presentación.pptx
+++ b/Documentos/Presentación.pptx
@@ -4,6 +4,9 @@
   <p:sldMasterIdLst>
     <p:sldMasterId id="2147483648" r:id="rId1"/>
   </p:sldMasterIdLst>
+  <p:notesMasterIdLst>
+    <p:notesMasterId r:id="rId19"/>
+  </p:notesMasterIdLst>
   <p:sldIdLst>
     <p:sldId id="256" r:id="rId2"/>
     <p:sldId id="257" r:id="rId3"/>
@@ -12,8 +15,16 @@
     <p:sldId id="262" r:id="rId6"/>
     <p:sldId id="263" r:id="rId7"/>
     <p:sldId id="264" r:id="rId8"/>
-    <p:sldId id="258" r:id="rId9"/>
-    <p:sldId id="265" r:id="rId10"/>
+    <p:sldId id="274" r:id="rId9"/>
+    <p:sldId id="258" r:id="rId10"/>
+    <p:sldId id="265" r:id="rId11"/>
+    <p:sldId id="267" r:id="rId12"/>
+    <p:sldId id="268" r:id="rId13"/>
+    <p:sldId id="269" r:id="rId14"/>
+    <p:sldId id="273" r:id="rId15"/>
+    <p:sldId id="272" r:id="rId16"/>
+    <p:sldId id="270" r:id="rId17"/>
+    <p:sldId id="271" r:id="rId18"/>
   </p:sldIdLst>
   <p:sldSz cx="12192000" cy="6858000"/>
   <p:notesSz cx="6858000" cy="9144000"/>
@@ -120,6 +131,549 @@
 </p:presentation>
 </file>
 
+<file path=ppt/revisionInfo.xml><?xml version="1.0" encoding="utf-8"?>
+<p1510:revInfo xmlns:a="http://schemas.openxmlformats.org/drawingml/2006/main" xmlns:r="http://schemas.openxmlformats.org/officeDocument/2006/relationships" xmlns:p1510="http://schemas.microsoft.com/office/powerpoint/2015/10/main"/>
+</file>
+
+<file path=ppt/notesMasters/notesMaster1.xml><?xml version="1.0" encoding="utf-8"?>
+<p:notesMaster xmlns:a="http://schemas.openxmlformats.org/drawingml/2006/main" xmlns:r="http://schemas.openxmlformats.org/officeDocument/2006/relationships" xmlns:p="http://schemas.openxmlformats.org/presentationml/2006/main">
+  <p:cSld>
+    <p:bg>
+      <p:bgRef idx="1001">
+        <a:schemeClr val="bg1"/>
+      </p:bgRef>
+    </p:bg>
+    <p:spTree>
+      <p:nvGrpSpPr>
+        <p:cNvPr id="1" name=""/>
+        <p:cNvGrpSpPr/>
+        <p:nvPr/>
+      </p:nvGrpSpPr>
+      <p:grpSpPr>
+        <a:xfrm>
+          <a:off x="0" y="0"/>
+          <a:ext cx="0" cy="0"/>
+          <a:chOff x="0" y="0"/>
+          <a:chExt cx="0" cy="0"/>
+        </a:xfrm>
+      </p:grpSpPr>
+      <p:sp>
+        <p:nvSpPr>
+          <p:cNvPr id="2" name="Marcador de encabezado 1"/>
+          <p:cNvSpPr>
+            <a:spLocks noGrp="1"/>
+          </p:cNvSpPr>
+          <p:nvPr>
+            <p:ph type="hdr" sz="quarter"/>
+          </p:nvPr>
+        </p:nvSpPr>
+        <p:spPr>
+          <a:xfrm>
+            <a:off x="0" y="0"/>
+            <a:ext cx="2971800" cy="458788"/>
+          </a:xfrm>
+          <a:prstGeom prst="rect">
+            <a:avLst/>
+          </a:prstGeom>
+        </p:spPr>
+        <p:txBody>
+          <a:bodyPr vert="horz" lIns="91440" tIns="45720" rIns="91440" bIns="45720" rtlCol="0"/>
+          <a:lstStyle>
+            <a:lvl1pPr algn="l">
+              <a:defRPr sz="1200"/>
+            </a:lvl1pPr>
+          </a:lstStyle>
+          <a:p>
+            <a:endParaRPr lang="es-ES"/>
+          </a:p>
+        </p:txBody>
+      </p:sp>
+      <p:sp>
+        <p:nvSpPr>
+          <p:cNvPr id="3" name="Marcador de fecha 2"/>
+          <p:cNvSpPr>
+            <a:spLocks noGrp="1"/>
+          </p:cNvSpPr>
+          <p:nvPr>
+            <p:ph type="dt" idx="1"/>
+          </p:nvPr>
+        </p:nvSpPr>
+        <p:spPr>
+          <a:xfrm>
+            <a:off x="3884613" y="0"/>
+            <a:ext cx="2971800" cy="458788"/>
+          </a:xfrm>
+          <a:prstGeom prst="rect">
+            <a:avLst/>
+          </a:prstGeom>
+        </p:spPr>
+        <p:txBody>
+          <a:bodyPr vert="horz" lIns="91440" tIns="45720" rIns="91440" bIns="45720" rtlCol="0"/>
+          <a:lstStyle>
+            <a:lvl1pPr algn="r">
+              <a:defRPr sz="1200"/>
+            </a:lvl1pPr>
+          </a:lstStyle>
+          <a:p>
+            <a:fld id="{F4AE9250-D5BF-48B1-9B13-D31D4D3AE36D}" type="datetimeFigureOut">
+              <a:rPr lang="es-ES" smtClean="0"/>
+              <a:t>22/05/2017</a:t>
+            </a:fld>
+            <a:endParaRPr lang="es-ES"/>
+          </a:p>
+        </p:txBody>
+      </p:sp>
+      <p:sp>
+        <p:nvSpPr>
+          <p:cNvPr id="4" name="Marcador de imagen de diapositiva 3"/>
+          <p:cNvSpPr>
+            <a:spLocks noGrp="1" noRot="1" noChangeAspect="1"/>
+          </p:cNvSpPr>
+          <p:nvPr>
+            <p:ph type="sldImg" idx="2"/>
+          </p:nvPr>
+        </p:nvSpPr>
+        <p:spPr>
+          <a:xfrm>
+            <a:off x="685800" y="1143000"/>
+            <a:ext cx="5486400" cy="3086100"/>
+          </a:xfrm>
+          <a:prstGeom prst="rect">
+            <a:avLst/>
+          </a:prstGeom>
+          <a:noFill/>
+          <a:ln w="12700">
+            <a:solidFill>
+              <a:prstClr val="black"/>
+            </a:solidFill>
+          </a:ln>
+        </p:spPr>
+        <p:txBody>
+          <a:bodyPr vert="horz" lIns="91440" tIns="45720" rIns="91440" bIns="45720" rtlCol="0" anchor="ctr"/>
+          <a:lstStyle/>
+          <a:p>
+            <a:endParaRPr lang="es-ES"/>
+          </a:p>
+        </p:txBody>
+      </p:sp>
+      <p:sp>
+        <p:nvSpPr>
+          <p:cNvPr id="5" name="Marcador de notas 4"/>
+          <p:cNvSpPr>
+            <a:spLocks noGrp="1"/>
+          </p:cNvSpPr>
+          <p:nvPr>
+            <p:ph type="body" sz="quarter" idx="3"/>
+          </p:nvPr>
+        </p:nvSpPr>
+        <p:spPr>
+          <a:xfrm>
+            <a:off x="685800" y="4400550"/>
+            <a:ext cx="5486400" cy="3600450"/>
+          </a:xfrm>
+          <a:prstGeom prst="rect">
+            <a:avLst/>
+          </a:prstGeom>
+        </p:spPr>
+        <p:txBody>
+          <a:bodyPr vert="horz" lIns="91440" tIns="45720" rIns="91440" bIns="45720" rtlCol="0"/>
+          <a:lstStyle/>
+          <a:p>
+            <a:pPr lvl="0"/>
+            <a:r>
+              <a:rPr lang="es-ES"/>
+              <a:t>Editar el estilo de texto del patrón</a:t>
+            </a:r>
+          </a:p>
+          <a:p>
+            <a:pPr lvl="1"/>
+            <a:r>
+              <a:rPr lang="es-ES"/>
+              <a:t>Segundo nivel</a:t>
+            </a:r>
+          </a:p>
+          <a:p>
+            <a:pPr lvl="2"/>
+            <a:r>
+              <a:rPr lang="es-ES"/>
+              <a:t>Tercer nivel</a:t>
+            </a:r>
+          </a:p>
+          <a:p>
+            <a:pPr lvl="3"/>
+            <a:r>
+              <a:rPr lang="es-ES"/>
+              <a:t>Cuarto nivel</a:t>
+            </a:r>
+          </a:p>
+          <a:p>
+            <a:pPr lvl="4"/>
+            <a:r>
+              <a:rPr lang="es-ES"/>
+              <a:t>Quinto nivel</a:t>
+            </a:r>
+          </a:p>
+        </p:txBody>
+      </p:sp>
+      <p:sp>
+        <p:nvSpPr>
+          <p:cNvPr id="6" name="Marcador de pie de página 5"/>
+          <p:cNvSpPr>
+            <a:spLocks noGrp="1"/>
+          </p:cNvSpPr>
+          <p:nvPr>
+            <p:ph type="ftr" sz="quarter" idx="4"/>
+          </p:nvPr>
+        </p:nvSpPr>
+        <p:spPr>
+          <a:xfrm>
+            <a:off x="0" y="8685213"/>
+            <a:ext cx="2971800" cy="458787"/>
+          </a:xfrm>
+          <a:prstGeom prst="rect">
+            <a:avLst/>
+          </a:prstGeom>
+        </p:spPr>
+        <p:txBody>
+          <a:bodyPr vert="horz" lIns="91440" tIns="45720" rIns="91440" bIns="45720" rtlCol="0" anchor="b"/>
+          <a:lstStyle>
+            <a:lvl1pPr algn="l">
+              <a:defRPr sz="1200"/>
+            </a:lvl1pPr>
+          </a:lstStyle>
+          <a:p>
+            <a:endParaRPr lang="es-ES"/>
+          </a:p>
+        </p:txBody>
+      </p:sp>
+      <p:sp>
+        <p:nvSpPr>
+          <p:cNvPr id="7" name="Marcador de número de diapositiva 6"/>
+          <p:cNvSpPr>
+            <a:spLocks noGrp="1"/>
+          </p:cNvSpPr>
+          <p:nvPr>
+            <p:ph type="sldNum" sz="quarter" idx="5"/>
+          </p:nvPr>
+        </p:nvSpPr>
+        <p:spPr>
+          <a:xfrm>
+            <a:off x="3884613" y="8685213"/>
+            <a:ext cx="2971800" cy="458787"/>
+          </a:xfrm>
+          <a:prstGeom prst="rect">
+            <a:avLst/>
+          </a:prstGeom>
+        </p:spPr>
+        <p:txBody>
+          <a:bodyPr vert="horz" lIns="91440" tIns="45720" rIns="91440" bIns="45720" rtlCol="0" anchor="b"/>
+          <a:lstStyle>
+            <a:lvl1pPr algn="r">
+              <a:defRPr sz="1200"/>
+            </a:lvl1pPr>
+          </a:lstStyle>
+          <a:p>
+            <a:fld id="{E2A15DA8-A9B8-4443-9530-8B56D864DABA}" type="slidenum">
+              <a:rPr lang="es-ES" smtClean="0"/>
+              <a:t>‹Nº›</a:t>
+            </a:fld>
+            <a:endParaRPr lang="es-ES"/>
+          </a:p>
+        </p:txBody>
+      </p:sp>
+    </p:spTree>
+    <p:extLst>
+      <p:ext uri="{BB962C8B-B14F-4D97-AF65-F5344CB8AC3E}">
+        <p14:creationId xmlns:p14="http://schemas.microsoft.com/office/powerpoint/2010/main" val="21036734"/>
+      </p:ext>
+    </p:extLst>
+  </p:cSld>
+  <p:clrMap bg1="lt1" tx1="dk1" bg2="lt2" tx2="dk2" accent1="accent1" accent2="accent2" accent3="accent3" accent4="accent4" accent5="accent5" accent6="accent6" hlink="hlink" folHlink="folHlink"/>
+  <p:notesStyle>
+    <a:lvl1pPr marL="0" algn="l" defTabSz="914400" rtl="0" eaLnBrk="1" latinLnBrk="0" hangingPunct="1">
+      <a:defRPr sz="1200" kern="1200">
+        <a:solidFill>
+          <a:schemeClr val="tx1"/>
+        </a:solidFill>
+        <a:latin typeface="+mn-lt"/>
+        <a:ea typeface="+mn-ea"/>
+        <a:cs typeface="+mn-cs"/>
+      </a:defRPr>
+    </a:lvl1pPr>
+    <a:lvl2pPr marL="457200" algn="l" defTabSz="914400" rtl="0" eaLnBrk="1" latinLnBrk="0" hangingPunct="1">
+      <a:defRPr sz="1200" kern="1200">
+        <a:solidFill>
+          <a:schemeClr val="tx1"/>
+        </a:solidFill>
+        <a:latin typeface="+mn-lt"/>
+        <a:ea typeface="+mn-ea"/>
+        <a:cs typeface="+mn-cs"/>
+      </a:defRPr>
+    </a:lvl2pPr>
+    <a:lvl3pPr marL="914400" algn="l" defTabSz="914400" rtl="0" eaLnBrk="1" latinLnBrk="0" hangingPunct="1">
+      <a:defRPr sz="1200" kern="1200">
+        <a:solidFill>
+          <a:schemeClr val="tx1"/>
+        </a:solidFill>
+        <a:latin typeface="+mn-lt"/>
+        <a:ea typeface="+mn-ea"/>
+        <a:cs typeface="+mn-cs"/>
+      </a:defRPr>
+    </a:lvl3pPr>
+    <a:lvl4pPr marL="1371600" algn="l" defTabSz="914400" rtl="0" eaLnBrk="1" latinLnBrk="0" hangingPunct="1">
+      <a:defRPr sz="1200" kern="1200">
+        <a:solidFill>
+          <a:schemeClr val="tx1"/>
+        </a:solidFill>
+        <a:latin typeface="+mn-lt"/>
+        <a:ea typeface="+mn-ea"/>
+        <a:cs typeface="+mn-cs"/>
+      </a:defRPr>
+    </a:lvl4pPr>
+    <a:lvl5pPr marL="1828800" algn="l" defTabSz="914400" rtl="0" eaLnBrk="1" latinLnBrk="0" hangingPunct="1">
+      <a:defRPr sz="1200" kern="1200">
+        <a:solidFill>
+          <a:schemeClr val="tx1"/>
+        </a:solidFill>
+        <a:latin typeface="+mn-lt"/>
+        <a:ea typeface="+mn-ea"/>
+        <a:cs typeface="+mn-cs"/>
+      </a:defRPr>
+    </a:lvl5pPr>
+    <a:lvl6pPr marL="2286000" algn="l" defTabSz="914400" rtl="0" eaLnBrk="1" latinLnBrk="0" hangingPunct="1">
+      <a:defRPr sz="1200" kern="1200">
+        <a:solidFill>
+          <a:schemeClr val="tx1"/>
+        </a:solidFill>
+        <a:latin typeface="+mn-lt"/>
+        <a:ea typeface="+mn-ea"/>
+        <a:cs typeface="+mn-cs"/>
+      </a:defRPr>
+    </a:lvl6pPr>
+    <a:lvl7pPr marL="2743200" algn="l" defTabSz="914400" rtl="0" eaLnBrk="1" latinLnBrk="0" hangingPunct="1">
+      <a:defRPr sz="1200" kern="1200">
+        <a:solidFill>
+          <a:schemeClr val="tx1"/>
+        </a:solidFill>
+        <a:latin typeface="+mn-lt"/>
+        <a:ea typeface="+mn-ea"/>
+        <a:cs typeface="+mn-cs"/>
+      </a:defRPr>
+    </a:lvl7pPr>
+    <a:lvl8pPr marL="3200400" algn="l" defTabSz="914400" rtl="0" eaLnBrk="1" latinLnBrk="0" hangingPunct="1">
+      <a:defRPr sz="1200" kern="1200">
+        <a:solidFill>
+          <a:schemeClr val="tx1"/>
+        </a:solidFill>
+        <a:latin typeface="+mn-lt"/>
+        <a:ea typeface="+mn-ea"/>
+        <a:cs typeface="+mn-cs"/>
+      </a:defRPr>
+    </a:lvl8pPr>
+    <a:lvl9pPr marL="3657600" algn="l" defTabSz="914400" rtl="0" eaLnBrk="1" latinLnBrk="0" hangingPunct="1">
+      <a:defRPr sz="1200" kern="1200">
+        <a:solidFill>
+          <a:schemeClr val="tx1"/>
+        </a:solidFill>
+        <a:latin typeface="+mn-lt"/>
+        <a:ea typeface="+mn-ea"/>
+        <a:cs typeface="+mn-cs"/>
+      </a:defRPr>
+    </a:lvl9pPr>
+  </p:notesStyle>
+</p:notesMaster>
+</file>
+
+<file path=ppt/notesSlides/notesSlide1.xml><?xml version="1.0" encoding="utf-8"?>
+<p:notes xmlns:a="http://schemas.openxmlformats.org/drawingml/2006/main" xmlns:r="http://schemas.openxmlformats.org/officeDocument/2006/relationships" xmlns:p="http://schemas.openxmlformats.org/presentationml/2006/main">
+  <p:cSld>
+    <p:spTree>
+      <p:nvGrpSpPr>
+        <p:cNvPr id="1" name=""/>
+        <p:cNvGrpSpPr/>
+        <p:nvPr/>
+      </p:nvGrpSpPr>
+      <p:grpSpPr>
+        <a:xfrm>
+          <a:off x="0" y="0"/>
+          <a:ext cx="0" cy="0"/>
+          <a:chOff x="0" y="0"/>
+          <a:chExt cx="0" cy="0"/>
+        </a:xfrm>
+      </p:grpSpPr>
+      <p:sp>
+        <p:nvSpPr>
+          <p:cNvPr id="2" name="Marcador de imagen de diapositiva 1"/>
+          <p:cNvSpPr>
+            <a:spLocks noGrp="1" noRot="1" noChangeAspect="1"/>
+          </p:cNvSpPr>
+          <p:nvPr>
+            <p:ph type="sldImg"/>
+          </p:nvPr>
+        </p:nvSpPr>
+        <p:spPr/>
+      </p:sp>
+      <p:sp>
+        <p:nvSpPr>
+          <p:cNvPr id="3" name="Marcador de notas 2"/>
+          <p:cNvSpPr>
+            <a:spLocks noGrp="1"/>
+          </p:cNvSpPr>
+          <p:nvPr>
+            <p:ph type="body" idx="1"/>
+          </p:nvPr>
+        </p:nvSpPr>
+        <p:spPr/>
+        <p:txBody>
+          <a:bodyPr/>
+          <a:lstStyle/>
+          <a:p>
+            <a:r>
+              <a:rPr lang="es-ES" dirty="0"/>
+              <a:t>4 </a:t>
+            </a:r>
+            <a:r>
+              <a:rPr lang="es-ES" dirty="0" err="1"/>
+              <a:t>CPUs</a:t>
+            </a:r>
+            <a:r>
+              <a:rPr lang="es-ES" dirty="0"/>
+              <a:t> 16GB RAM</a:t>
+            </a:r>
+          </a:p>
+        </p:txBody>
+      </p:sp>
+      <p:sp>
+        <p:nvSpPr>
+          <p:cNvPr id="4" name="Marcador de número de diapositiva 3"/>
+          <p:cNvSpPr>
+            <a:spLocks noGrp="1"/>
+          </p:cNvSpPr>
+          <p:nvPr>
+            <p:ph type="sldNum" sz="quarter" idx="10"/>
+          </p:nvPr>
+        </p:nvSpPr>
+        <p:spPr/>
+        <p:txBody>
+          <a:bodyPr/>
+          <a:lstStyle/>
+          <a:p>
+            <a:fld id="{E2A15DA8-A9B8-4443-9530-8B56D864DABA}" type="slidenum">
+              <a:rPr lang="es-ES" smtClean="0"/>
+              <a:t>15</a:t>
+            </a:fld>
+            <a:endParaRPr lang="es-ES"/>
+          </a:p>
+        </p:txBody>
+      </p:sp>
+    </p:spTree>
+    <p:extLst>
+      <p:ext uri="{BB962C8B-B14F-4D97-AF65-F5344CB8AC3E}">
+        <p14:creationId xmlns:p14="http://schemas.microsoft.com/office/powerpoint/2010/main" val="3413011324"/>
+      </p:ext>
+    </p:extLst>
+  </p:cSld>
+  <p:clrMapOvr>
+    <a:masterClrMapping/>
+  </p:clrMapOvr>
+</p:notes>
+</file>
+
+<file path=ppt/notesSlides/notesSlide2.xml><?xml version="1.0" encoding="utf-8"?>
+<p:notes xmlns:a="http://schemas.openxmlformats.org/drawingml/2006/main" xmlns:r="http://schemas.openxmlformats.org/officeDocument/2006/relationships" xmlns:p="http://schemas.openxmlformats.org/presentationml/2006/main">
+  <p:cSld>
+    <p:spTree>
+      <p:nvGrpSpPr>
+        <p:cNvPr id="1" name=""/>
+        <p:cNvGrpSpPr/>
+        <p:nvPr/>
+      </p:nvGrpSpPr>
+      <p:grpSpPr>
+        <a:xfrm>
+          <a:off x="0" y="0"/>
+          <a:ext cx="0" cy="0"/>
+          <a:chOff x="0" y="0"/>
+          <a:chExt cx="0" cy="0"/>
+        </a:xfrm>
+      </p:grpSpPr>
+      <p:sp>
+        <p:nvSpPr>
+          <p:cNvPr id="2" name="Marcador de imagen de diapositiva 1"/>
+          <p:cNvSpPr>
+            <a:spLocks noGrp="1" noRot="1" noChangeAspect="1"/>
+          </p:cNvSpPr>
+          <p:nvPr>
+            <p:ph type="sldImg"/>
+          </p:nvPr>
+        </p:nvSpPr>
+        <p:spPr/>
+      </p:sp>
+      <p:sp>
+        <p:nvSpPr>
+          <p:cNvPr id="3" name="Marcador de notas 2"/>
+          <p:cNvSpPr>
+            <a:spLocks noGrp="1"/>
+          </p:cNvSpPr>
+          <p:nvPr>
+            <p:ph type="body" idx="1"/>
+          </p:nvPr>
+        </p:nvSpPr>
+        <p:spPr/>
+        <p:txBody>
+          <a:bodyPr/>
+          <a:lstStyle/>
+          <a:p>
+            <a:r>
+              <a:rPr lang="es-ES" dirty="0"/>
+              <a:t>4 </a:t>
+            </a:r>
+            <a:r>
+              <a:rPr lang="es-ES" dirty="0" err="1"/>
+              <a:t>CPUs</a:t>
+            </a:r>
+            <a:r>
+              <a:rPr lang="es-ES" dirty="0"/>
+              <a:t> 14GB RAM</a:t>
+            </a:r>
+          </a:p>
+        </p:txBody>
+      </p:sp>
+      <p:sp>
+        <p:nvSpPr>
+          <p:cNvPr id="4" name="Marcador de número de diapositiva 3"/>
+          <p:cNvSpPr>
+            <a:spLocks noGrp="1"/>
+          </p:cNvSpPr>
+          <p:nvPr>
+            <p:ph type="sldNum" sz="quarter" idx="10"/>
+          </p:nvPr>
+        </p:nvSpPr>
+        <p:spPr/>
+        <p:txBody>
+          <a:bodyPr/>
+          <a:lstStyle/>
+          <a:p>
+            <a:fld id="{E2A15DA8-A9B8-4443-9530-8B56D864DABA}" type="slidenum">
+              <a:rPr lang="es-ES" smtClean="0"/>
+              <a:t>16</a:t>
+            </a:fld>
+            <a:endParaRPr lang="es-ES"/>
+          </a:p>
+        </p:txBody>
+      </p:sp>
+    </p:spTree>
+    <p:extLst>
+      <p:ext uri="{BB962C8B-B14F-4D97-AF65-F5344CB8AC3E}">
+        <p14:creationId xmlns:p14="http://schemas.microsoft.com/office/powerpoint/2010/main" val="2632756198"/>
+      </p:ext>
+    </p:extLst>
+  </p:cSld>
+  <p:clrMapOvr>
+    <a:masterClrMapping/>
+  </p:clrMapOvr>
+</p:notes>
+</file>
+
 <file path=ppt/slideLayouts/slideLayout1.xml><?xml version="1.0" encoding="utf-8"?>
 <p:sldLayout xmlns:a="http://schemas.openxmlformats.org/drawingml/2006/main" xmlns:r="http://schemas.openxmlformats.org/officeDocument/2006/relationships" xmlns:p="http://schemas.openxmlformats.org/presentationml/2006/main" type="title" preserve="1">
   <p:cSld name="Diapositiva de título">
@@ -249,7 +803,7 @@
           <a:p>
             <a:fld id="{8EDC8FBE-3D3D-4909-8A1B-CB1EA03CA5C4}" type="datetimeFigureOut">
               <a:rPr lang="es-ES" smtClean="0"/>
-              <a:t>21/05/2017</a:t>
+              <a:t>22/05/2017</a:t>
             </a:fld>
             <a:endParaRPr lang="es-ES"/>
           </a:p>
@@ -417,7 +971,7 @@
           <a:p>
             <a:fld id="{8EDC8FBE-3D3D-4909-8A1B-CB1EA03CA5C4}" type="datetimeFigureOut">
               <a:rPr lang="es-ES" smtClean="0"/>
-              <a:t>21/05/2017</a:t>
+              <a:t>22/05/2017</a:t>
             </a:fld>
             <a:endParaRPr lang="es-ES"/>
           </a:p>
@@ -595,7 +1149,7 @@
           <a:p>
             <a:fld id="{8EDC8FBE-3D3D-4909-8A1B-CB1EA03CA5C4}" type="datetimeFigureOut">
               <a:rPr lang="es-ES" smtClean="0"/>
-              <a:t>21/05/2017</a:t>
+              <a:t>22/05/2017</a:t>
             </a:fld>
             <a:endParaRPr lang="es-ES"/>
           </a:p>
@@ -763,7 +1317,7 @@
           <a:p>
             <a:fld id="{8EDC8FBE-3D3D-4909-8A1B-CB1EA03CA5C4}" type="datetimeFigureOut">
               <a:rPr lang="es-ES" smtClean="0"/>
-              <a:t>21/05/2017</a:t>
+              <a:t>22/05/2017</a:t>
             </a:fld>
             <a:endParaRPr lang="es-ES"/>
           </a:p>
@@ -1008,7 +1562,7 @@
           <a:p>
             <a:fld id="{8EDC8FBE-3D3D-4909-8A1B-CB1EA03CA5C4}" type="datetimeFigureOut">
               <a:rPr lang="es-ES" smtClean="0"/>
-              <a:t>21/05/2017</a:t>
+              <a:t>22/05/2017</a:t>
             </a:fld>
             <a:endParaRPr lang="es-ES"/>
           </a:p>
@@ -1237,7 +1791,7 @@
           <a:p>
             <a:fld id="{8EDC8FBE-3D3D-4909-8A1B-CB1EA03CA5C4}" type="datetimeFigureOut">
               <a:rPr lang="es-ES" smtClean="0"/>
-              <a:t>21/05/2017</a:t>
+              <a:t>22/05/2017</a:t>
             </a:fld>
             <a:endParaRPr lang="es-ES"/>
           </a:p>
@@ -1601,7 +2155,7 @@
           <a:p>
             <a:fld id="{8EDC8FBE-3D3D-4909-8A1B-CB1EA03CA5C4}" type="datetimeFigureOut">
               <a:rPr lang="es-ES" smtClean="0"/>
-              <a:t>21/05/2017</a:t>
+              <a:t>22/05/2017</a:t>
             </a:fld>
             <a:endParaRPr lang="es-ES"/>
           </a:p>
@@ -1718,7 +2272,7 @@
           <a:p>
             <a:fld id="{8EDC8FBE-3D3D-4909-8A1B-CB1EA03CA5C4}" type="datetimeFigureOut">
               <a:rPr lang="es-ES" smtClean="0"/>
-              <a:t>21/05/2017</a:t>
+              <a:t>22/05/2017</a:t>
             </a:fld>
             <a:endParaRPr lang="es-ES"/>
           </a:p>
@@ -1813,7 +2367,7 @@
           <a:p>
             <a:fld id="{8EDC8FBE-3D3D-4909-8A1B-CB1EA03CA5C4}" type="datetimeFigureOut">
               <a:rPr lang="es-ES" smtClean="0"/>
-              <a:t>21/05/2017</a:t>
+              <a:t>22/05/2017</a:t>
             </a:fld>
             <a:endParaRPr lang="es-ES"/>
           </a:p>
@@ -2088,7 +2642,7 @@
           <a:p>
             <a:fld id="{8EDC8FBE-3D3D-4909-8A1B-CB1EA03CA5C4}" type="datetimeFigureOut">
               <a:rPr lang="es-ES" smtClean="0"/>
-              <a:t>21/05/2017</a:t>
+              <a:t>22/05/2017</a:t>
             </a:fld>
             <a:endParaRPr lang="es-ES"/>
           </a:p>
@@ -2340,7 +2894,7 @@
           <a:p>
             <a:fld id="{8EDC8FBE-3D3D-4909-8A1B-CB1EA03CA5C4}" type="datetimeFigureOut">
               <a:rPr lang="es-ES" smtClean="0"/>
-              <a:t>21/05/2017</a:t>
+              <a:t>22/05/2017</a:t>
             </a:fld>
             <a:endParaRPr lang="es-ES"/>
           </a:p>
@@ -2558,7 +3112,7 @@
           <a:p>
             <a:fld id="{8EDC8FBE-3D3D-4909-8A1B-CB1EA03CA5C4}" type="datetimeFigureOut">
               <a:rPr lang="es-ES" smtClean="0"/>
-              <a:t>21/05/2017</a:t>
+              <a:t>22/05/2017</a:t>
             </a:fld>
             <a:endParaRPr lang="es-ES"/>
           </a:p>
@@ -3062,7 +3616,7 @@
 </p:sld>
 </file>
 
-<file path=ppt/slides/slide2.xml><?xml version="1.0" encoding="utf-8"?>
+<file path=ppt/slides/slide10.xml><?xml version="1.0" encoding="utf-8"?>
 <p:sld xmlns:a="http://schemas.openxmlformats.org/drawingml/2006/main" xmlns:r="http://schemas.openxmlformats.org/officeDocument/2006/relationships" xmlns:p="http://schemas.openxmlformats.org/presentationml/2006/main">
   <p:cSld>
     <p:spTree>
@@ -3081,486 +3635,53 @@
       </p:grpSpPr>
       <p:sp>
         <p:nvSpPr>
-          <p:cNvPr id="2" name="Título 1"/>
-          <p:cNvSpPr>
-            <a:spLocks noGrp="1"/>
-          </p:cNvSpPr>
-          <p:nvPr>
-            <p:ph type="title"/>
-          </p:nvPr>
-        </p:nvSpPr>
-        <p:spPr/>
-        <p:txBody>
-          <a:bodyPr/>
-          <a:lstStyle/>
-          <a:p>
-            <a:r>
-              <a:rPr lang="es-ES" dirty="0" err="1"/>
-              <a:t>Aplicacion</a:t>
-            </a:r>
-            <a:endParaRPr lang="es-ES" dirty="0"/>
-          </a:p>
-        </p:txBody>
-      </p:sp>
-      <p:sp>
-        <p:nvSpPr>
-          <p:cNvPr id="3" name="Marcador de contenido 2"/>
-          <p:cNvSpPr>
-            <a:spLocks noGrp="1"/>
-          </p:cNvSpPr>
-          <p:nvPr>
-            <p:ph idx="1"/>
-          </p:nvPr>
-        </p:nvSpPr>
-        <p:spPr/>
-        <p:txBody>
-          <a:bodyPr/>
-          <a:lstStyle/>
-          <a:p>
-            <a:r>
-              <a:rPr lang="es-ES" dirty="0">
-                <a:latin typeface="+mj-lt"/>
-              </a:rPr>
-              <a:t>Registro de personas en </a:t>
-            </a:r>
-            <a:r>
-              <a:rPr lang="es-ES" dirty="0" err="1">
-                <a:latin typeface="+mj-lt"/>
-              </a:rPr>
-              <a:t>hackathon</a:t>
-            </a:r>
-            <a:endParaRPr lang="es-ES" dirty="0">
-              <a:latin typeface="+mj-lt"/>
-            </a:endParaRPr>
-          </a:p>
-          <a:p>
-            <a:endParaRPr lang="es-ES" dirty="0">
-              <a:latin typeface="+mj-lt"/>
-            </a:endParaRPr>
-          </a:p>
-        </p:txBody>
-      </p:sp>
-    </p:spTree>
-    <p:extLst>
-      <p:ext uri="{BB962C8B-B14F-4D97-AF65-F5344CB8AC3E}">
-        <p14:creationId xmlns:p14="http://schemas.microsoft.com/office/powerpoint/2010/main" val="3322570395"/>
-      </p:ext>
-    </p:extLst>
-  </p:cSld>
-  <p:clrMapOvr>
-    <a:masterClrMapping/>
-  </p:clrMapOvr>
-</p:sld>
-</file>
-
-<file path=ppt/slides/slide3.xml><?xml version="1.0" encoding="utf-8"?>
-<p:sld xmlns:a="http://schemas.openxmlformats.org/drawingml/2006/main" xmlns:r="http://schemas.openxmlformats.org/officeDocument/2006/relationships" xmlns:p="http://schemas.openxmlformats.org/presentationml/2006/main">
-  <p:cSld>
-    <p:spTree>
-      <p:nvGrpSpPr>
-        <p:cNvPr id="1" name=""/>
-        <p:cNvGrpSpPr/>
-        <p:nvPr/>
-      </p:nvGrpSpPr>
-      <p:grpSpPr>
-        <a:xfrm>
-          <a:off x="0" y="0"/>
-          <a:ext cx="0" cy="0"/>
-          <a:chOff x="0" y="0"/>
-          <a:chExt cx="0" cy="0"/>
-        </a:xfrm>
-      </p:grpSpPr>
-      <p:pic>
-        <p:nvPicPr>
-          <p:cNvPr id="6" name="Marcador de contenido 5"/>
-          <p:cNvPicPr>
-            <a:picLocks noGrp="1" noChangeAspect="1"/>
-          </p:cNvPicPr>
-          <p:nvPr>
-            <p:ph idx="1"/>
-          </p:nvPr>
-        </p:nvPicPr>
-        <p:blipFill>
-          <a:blip r:embed="rId2">
-            <a:extLst>
-              <a:ext uri="{28A0092B-C50C-407E-A947-70E740481C1C}">
-                <a14:useLocalDpi xmlns:a14="http://schemas.microsoft.com/office/drawing/2010/main" val="0"/>
-              </a:ext>
-            </a:extLst>
-          </a:blip>
-          <a:stretch>
-            <a:fillRect/>
-          </a:stretch>
-        </p:blipFill>
+          <p:cNvPr id="3" name="Título 1"/>
+          <p:cNvSpPr txBox="1">
+            <a:spLocks/>
+          </p:cNvSpPr>
+          <p:nvPr/>
+        </p:nvSpPr>
         <p:spPr>
           <a:xfrm>
-            <a:off x="1203648" y="0"/>
-            <a:ext cx="9937104" cy="6857695"/>
-          </a:xfrm>
-        </p:spPr>
-      </p:pic>
-    </p:spTree>
-    <p:extLst>
-      <p:ext uri="{BB962C8B-B14F-4D97-AF65-F5344CB8AC3E}">
-        <p14:creationId xmlns:p14="http://schemas.microsoft.com/office/powerpoint/2010/main" val="2029953985"/>
-      </p:ext>
-    </p:extLst>
-  </p:cSld>
-  <p:clrMapOvr>
-    <a:masterClrMapping/>
-  </p:clrMapOvr>
-</p:sld>
-</file>
-
-<file path=ppt/slides/slide4.xml><?xml version="1.0" encoding="utf-8"?>
-<p:sld xmlns:a="http://schemas.openxmlformats.org/drawingml/2006/main" xmlns:r="http://schemas.openxmlformats.org/officeDocument/2006/relationships" xmlns:p="http://schemas.openxmlformats.org/presentationml/2006/main">
-  <p:cSld>
-    <p:spTree>
-      <p:nvGrpSpPr>
-        <p:cNvPr id="1" name=""/>
-        <p:cNvGrpSpPr/>
-        <p:nvPr/>
-      </p:nvGrpSpPr>
-      <p:grpSpPr>
-        <a:xfrm>
-          <a:off x="0" y="0"/>
-          <a:ext cx="0" cy="0"/>
-          <a:chOff x="0" y="0"/>
-          <a:chExt cx="0" cy="0"/>
-        </a:xfrm>
-      </p:grpSpPr>
-      <p:sp>
-        <p:nvSpPr>
-          <p:cNvPr id="2" name="Título 1"/>
-          <p:cNvSpPr>
-            <a:spLocks noGrp="1"/>
-          </p:cNvSpPr>
-          <p:nvPr>
-            <p:ph type="title"/>
-          </p:nvPr>
-        </p:nvSpPr>
-        <p:spPr>
-          <a:xfrm>
-            <a:off x="839788" y="457200"/>
-            <a:ext cx="4947891" cy="1600200"/>
-          </a:xfrm>
-        </p:spPr>
-        <p:txBody>
-          <a:bodyPr/>
-          <a:lstStyle/>
-          <a:p>
-            <a:r>
-              <a:rPr lang="es-ES" dirty="0" err="1"/>
-              <a:t>Dashboard-Updater</a:t>
-            </a:r>
-            <a:br>
-              <a:rPr lang="es-ES" dirty="0"/>
-            </a:br>
-            <a:endParaRPr lang="es-ES" dirty="0"/>
-          </a:p>
-        </p:txBody>
-      </p:sp>
-      <p:sp>
-        <p:nvSpPr>
-          <p:cNvPr id="4" name="Marcador de texto 3"/>
-          <p:cNvSpPr>
-            <a:spLocks noGrp="1"/>
-          </p:cNvSpPr>
-          <p:nvPr>
-            <p:ph type="body" sz="half" idx="2"/>
-          </p:nvPr>
-        </p:nvSpPr>
-        <p:spPr>
-          <a:xfrm>
-            <a:off x="839788" y="2057400"/>
-            <a:ext cx="4947891" cy="3811588"/>
-          </a:xfrm>
-        </p:spPr>
-        <p:txBody>
-          <a:bodyPr>
-            <a:normAutofit/>
-          </a:bodyPr>
-          <a:lstStyle/>
-          <a:p>
-            <a:pPr marL="285750" indent="-285750">
-              <a:buFont typeface="Arial" panose="020B0604020202020204" pitchFamily="34" charset="0"/>
-              <a:buChar char="•"/>
-            </a:pPr>
-            <a:r>
-              <a:rPr lang="es-ES" sz="2400" dirty="0">
-                <a:latin typeface="+mj-lt"/>
-              </a:rPr>
-              <a:t>API de cara al cliente</a:t>
-            </a:r>
-          </a:p>
-          <a:p>
-            <a:pPr marL="285750" indent="-285750">
-              <a:buFont typeface="Arial" panose="020B0604020202020204" pitchFamily="34" charset="0"/>
-              <a:buChar char="•"/>
-            </a:pPr>
-            <a:r>
-              <a:rPr lang="es-ES" sz="2400" dirty="0">
-                <a:latin typeface="+mj-lt"/>
-              </a:rPr>
-              <a:t>Gestiona peticiones y operaciones relacionadas con el cliente</a:t>
-            </a:r>
-          </a:p>
-          <a:p>
-            <a:pPr marL="285750" indent="-285750">
-              <a:buFont typeface="Arial" panose="020B0604020202020204" pitchFamily="34" charset="0"/>
-              <a:buChar char="•"/>
-            </a:pPr>
-            <a:r>
-              <a:rPr lang="es-ES" sz="2400" dirty="0" err="1">
-                <a:latin typeface="+mj-lt"/>
-              </a:rPr>
-              <a:t>Updater</a:t>
-            </a:r>
-            <a:r>
-              <a:rPr lang="es-ES" sz="2400" dirty="0">
-                <a:latin typeface="+mj-lt"/>
-              </a:rPr>
-              <a:t> utiliza </a:t>
-            </a:r>
-            <a:r>
-              <a:rPr lang="es-ES" sz="2400" dirty="0" err="1">
-                <a:latin typeface="+mj-lt"/>
-              </a:rPr>
-              <a:t>WebSockets</a:t>
-            </a:r>
-            <a:r>
-              <a:rPr lang="es-ES" sz="2400" dirty="0">
-                <a:latin typeface="+mj-lt"/>
-              </a:rPr>
-              <a:t> para actualizar al cliente.</a:t>
-            </a:r>
-          </a:p>
-        </p:txBody>
-      </p:sp>
-      <p:pic>
-        <p:nvPicPr>
-          <p:cNvPr id="5" name="Picture 2" descr="https://i.gyazo.com/41eba58e00b92fcfb911de6931162495.png"/>
-          <p:cNvPicPr>
-            <a:picLocks noGrp="1" noChangeAspect="1" noChangeArrowheads="1"/>
-          </p:cNvPicPr>
-          <p:nvPr>
-            <p:ph idx="1"/>
-          </p:nvPr>
-        </p:nvPicPr>
-        <p:blipFill>
-          <a:blip r:embed="rId2">
-            <a:extLst>
-              <a:ext uri="{28A0092B-C50C-407E-A947-70E740481C1C}">
-                <a14:useLocalDpi xmlns:a14="http://schemas.microsoft.com/office/drawing/2010/main" val="0"/>
-              </a:ext>
-            </a:extLst>
-          </a:blip>
-          <a:srcRect/>
-          <a:stretch>
-            <a:fillRect/>
-          </a:stretch>
-        </p:blipFill>
-        <p:spPr bwMode="auto">
-          <a:xfrm>
-            <a:off x="5787679" y="1657103"/>
-            <a:ext cx="4963218" cy="3534268"/>
+            <a:off x="838200" y="365125"/>
+            <a:ext cx="10515600" cy="1325563"/>
           </a:xfrm>
           <a:prstGeom prst="rect">
             <a:avLst/>
           </a:prstGeom>
-          <a:noFill/>
-          <a:extLst>
-            <a:ext uri="{909E8E84-426E-40DD-AFC4-6F175D3DCCD1}">
-              <a14:hiddenFill xmlns:a14="http://schemas.microsoft.com/office/drawing/2010/main">
+        </p:spPr>
+        <p:txBody>
+          <a:bodyPr/>
+          <a:lstStyle>
+            <a:lvl1pPr algn="l" defTabSz="914400" rtl="0" eaLnBrk="1" latinLnBrk="0" hangingPunct="1">
+              <a:lnSpc>
+                <a:spcPct val="90000"/>
+              </a:lnSpc>
+              <a:spcBef>
+                <a:spcPct val="0"/>
+              </a:spcBef>
+              <a:buNone/>
+              <a:defRPr sz="4400" kern="1200">
                 <a:solidFill>
-                  <a:srgbClr val="FFFFFF"/>
+                  <a:schemeClr val="tx1"/>
                 </a:solidFill>
-              </a14:hiddenFill>
-            </a:ext>
-          </a:extLst>
-        </p:spPr>
-      </p:pic>
-    </p:spTree>
-    <p:extLst>
-      <p:ext uri="{BB962C8B-B14F-4D97-AF65-F5344CB8AC3E}">
-        <p14:creationId xmlns:p14="http://schemas.microsoft.com/office/powerpoint/2010/main" val="2579606260"/>
-      </p:ext>
-    </p:extLst>
-  </p:cSld>
-  <p:clrMapOvr>
-    <a:masterClrMapping/>
-  </p:clrMapOvr>
-</p:sld>
-</file>
-
-<file path=ppt/slides/slide5.xml><?xml version="1.0" encoding="utf-8"?>
-<p:sld xmlns:a="http://schemas.openxmlformats.org/drawingml/2006/main" xmlns:r="http://schemas.openxmlformats.org/officeDocument/2006/relationships" xmlns:p="http://schemas.openxmlformats.org/presentationml/2006/main">
-  <p:cSld>
-    <p:spTree>
-      <p:nvGrpSpPr>
-        <p:cNvPr id="1" name=""/>
-        <p:cNvGrpSpPr/>
-        <p:nvPr/>
-      </p:nvGrpSpPr>
-      <p:grpSpPr>
-        <a:xfrm>
-          <a:off x="0" y="0"/>
-          <a:ext cx="0" cy="0"/>
-          <a:chOff x="0" y="0"/>
-          <a:chExt cx="0" cy="0"/>
-        </a:xfrm>
-      </p:grpSpPr>
-      <p:sp>
-        <p:nvSpPr>
-          <p:cNvPr id="2" name="Título 1"/>
-          <p:cNvSpPr>
-            <a:spLocks noGrp="1"/>
-          </p:cNvSpPr>
-          <p:nvPr>
-            <p:ph type="title"/>
-          </p:nvPr>
-        </p:nvSpPr>
-        <p:spPr>
-          <a:xfrm>
-            <a:off x="839788" y="457200"/>
-            <a:ext cx="4947891" cy="1600200"/>
-          </a:xfrm>
-        </p:spPr>
-        <p:txBody>
-          <a:bodyPr/>
-          <a:lstStyle/>
-          <a:p>
-            <a:r>
-              <a:rPr lang="es-ES" dirty="0" err="1"/>
-              <a:t>Recollector-Chooser</a:t>
-            </a:r>
-            <a:br>
+                <a:latin typeface="+mj-lt"/>
+                <a:ea typeface="+mj-ea"/>
+                <a:cs typeface="+mj-cs"/>
+              </a:defRPr>
+            </a:lvl1pPr>
+          </a:lstStyle>
+          <a:p>
+            <a:r>
               <a:rPr lang="es-ES" dirty="0"/>
-            </a:br>
-            <a:endParaRPr lang="es-ES" dirty="0"/>
-          </a:p>
-        </p:txBody>
-      </p:sp>
-      <p:sp>
-        <p:nvSpPr>
-          <p:cNvPr id="4" name="Marcador de texto 3"/>
-          <p:cNvSpPr>
-            <a:spLocks noGrp="1"/>
-          </p:cNvSpPr>
-          <p:nvPr>
-            <p:ph type="body" sz="half" idx="2"/>
-          </p:nvPr>
-        </p:nvSpPr>
-        <p:spPr>
-          <a:xfrm>
-            <a:off x="839788" y="2057400"/>
-            <a:ext cx="4947891" cy="3811588"/>
-          </a:xfrm>
-        </p:spPr>
-        <p:txBody>
-          <a:bodyPr>
-            <a:normAutofit/>
-          </a:bodyPr>
-          <a:lstStyle/>
-          <a:p>
-            <a:pPr marL="285750" indent="-285750">
-              <a:buFont typeface="Arial" panose="020B0604020202020204" pitchFamily="34" charset="0"/>
-              <a:buChar char="•"/>
-            </a:pPr>
-            <a:r>
-              <a:rPr lang="es-ES" sz="2400" dirty="0" err="1">
-                <a:latin typeface="+mj-lt"/>
-              </a:rPr>
-              <a:t>Recollector</a:t>
-            </a:r>
-            <a:r>
-              <a:rPr lang="es-ES" sz="2400" dirty="0">
-                <a:latin typeface="+mj-lt"/>
-              </a:rPr>
-              <a:t> recoge Tweets de Twitter</a:t>
-            </a:r>
-          </a:p>
-          <a:p>
-            <a:pPr marL="285750" indent="-285750">
-              <a:buFont typeface="Arial" panose="020B0604020202020204" pitchFamily="34" charset="0"/>
-              <a:buChar char="•"/>
-            </a:pPr>
-            <a:r>
-              <a:rPr lang="es-ES" sz="2400" dirty="0">
-                <a:latin typeface="+mj-lt"/>
-              </a:rPr>
-              <a:t>Se distribuyen entre los </a:t>
-            </a:r>
-            <a:r>
-              <a:rPr lang="es-ES" sz="2400" dirty="0" err="1">
-                <a:latin typeface="+mj-lt"/>
-              </a:rPr>
-              <a:t>chooser</a:t>
-            </a:r>
-            <a:endParaRPr lang="es-ES" sz="2400" dirty="0">
-              <a:latin typeface="+mj-lt"/>
-            </a:endParaRPr>
-          </a:p>
-          <a:p>
-            <a:pPr marL="285750" indent="-285750">
-              <a:buFont typeface="Arial" panose="020B0604020202020204" pitchFamily="34" charset="0"/>
-              <a:buChar char="•"/>
-            </a:pPr>
-            <a:r>
-              <a:rPr lang="es-ES" sz="2400" dirty="0" err="1">
-                <a:latin typeface="+mj-lt"/>
-              </a:rPr>
-              <a:t>Chooser</a:t>
-            </a:r>
-            <a:r>
-              <a:rPr lang="es-ES" sz="2400" dirty="0">
-                <a:latin typeface="+mj-lt"/>
-              </a:rPr>
-              <a:t> dejan pasar los indicados</a:t>
-            </a:r>
-          </a:p>
-          <a:p>
-            <a:pPr marL="285750" indent="-285750">
-              <a:buFont typeface="Arial" panose="020B0604020202020204" pitchFamily="34" charset="0"/>
-              <a:buChar char="•"/>
-            </a:pPr>
-            <a:r>
-              <a:rPr lang="es-ES" sz="2400" dirty="0" err="1">
-                <a:latin typeface="+mj-lt"/>
-              </a:rPr>
-              <a:t>Chooser</a:t>
-            </a:r>
-            <a:r>
-              <a:rPr lang="es-ES" sz="2400" dirty="0">
-                <a:latin typeface="+mj-lt"/>
-              </a:rPr>
-              <a:t> los envía al resto de componentes</a:t>
-            </a:r>
-          </a:p>
-        </p:txBody>
-      </p:sp>
-      <p:sp>
-        <p:nvSpPr>
-          <p:cNvPr id="3" name="Marcador de contenido 2"/>
-          <p:cNvSpPr>
-            <a:spLocks noGrp="1"/>
-          </p:cNvSpPr>
-          <p:nvPr>
-            <p:ph idx="1"/>
-          </p:nvPr>
-        </p:nvSpPr>
-        <p:spPr/>
-        <p:txBody>
-          <a:bodyPr/>
-          <a:lstStyle/>
-          <a:p>
-            <a:endParaRPr lang="es-ES" dirty="0"/>
+              <a:t>Colas y centralitas</a:t>
+            </a:r>
           </a:p>
         </p:txBody>
       </p:sp>
       <p:pic>
         <p:nvPicPr>
-          <p:cNvPr id="6" name="Picture 2" descr="https://i.gyazo.com/4ba8c40659df58315114c6c0ee087bcf.png"/>
+          <p:cNvPr id="1028" name="Picture 4" descr="https://i.gyazo.com/6a0b3643b318892812786389ff4a3bc6.png"/>
           <p:cNvPicPr>
             <a:picLocks noChangeAspect="1" noChangeArrowheads="1"/>
           </p:cNvPicPr>
@@ -3581,8 +3702,49 @@
         </p:blipFill>
         <p:spPr bwMode="auto">
           <a:xfrm>
-            <a:off x="5821363" y="1694614"/>
-            <a:ext cx="4895850" cy="3943350"/>
+            <a:off x="3483867" y="1095018"/>
+            <a:ext cx="5224266" cy="5644145"/>
+          </a:xfrm>
+          <a:prstGeom prst="rect">
+            <a:avLst/>
+          </a:prstGeom>
+          <a:noFill/>
+          <a:extLst>
+            <a:ext uri="{909E8E84-426E-40DD-AFC4-6F175D3DCCD1}">
+              <a14:hiddenFill xmlns:a14="http://schemas.microsoft.com/office/drawing/2010/main">
+                <a:solidFill>
+                  <a:srgbClr val="FFFFFF"/>
+                </a:solidFill>
+              </a14:hiddenFill>
+            </a:ext>
+          </a:extLst>
+        </p:spPr>
+      </p:pic>
+      <p:pic>
+        <p:nvPicPr>
+          <p:cNvPr id="4" name="Picture 10" descr="https://www.cloudamqp.com/img/plans/lemur_256.png"/>
+          <p:cNvPicPr>
+            <a:picLocks noChangeAspect="1" noChangeArrowheads="1"/>
+          </p:cNvPicPr>
+          <p:nvPr/>
+        </p:nvPicPr>
+        <p:blipFill>
+          <a:blip r:embed="rId3">
+            <a:extLst>
+              <a:ext uri="{28A0092B-C50C-407E-A947-70E740481C1C}">
+                <a14:useLocalDpi xmlns:a14="http://schemas.microsoft.com/office/drawing/2010/main" val="0"/>
+              </a:ext>
+            </a:extLst>
+          </a:blip>
+          <a:srcRect/>
+          <a:stretch>
+            <a:fillRect/>
+          </a:stretch>
+        </p:blipFill>
+        <p:spPr bwMode="auto">
+          <a:xfrm>
+            <a:off x="9733012" y="2296302"/>
+            <a:ext cx="1620788" cy="1620788"/>
           </a:xfrm>
           <a:prstGeom prst="rect">
             <a:avLst/>
@@ -3602,17 +3764,88 @@
     </p:spTree>
     <p:extLst>
       <p:ext uri="{BB962C8B-B14F-4D97-AF65-F5344CB8AC3E}">
-        <p14:creationId xmlns:p14="http://schemas.microsoft.com/office/powerpoint/2010/main" val="3076466838"/>
+        <p14:creationId xmlns:p14="http://schemas.microsoft.com/office/powerpoint/2010/main" val="4291415578"/>
       </p:ext>
     </p:extLst>
   </p:cSld>
   <p:clrMapOvr>
     <a:masterClrMapping/>
   </p:clrMapOvr>
+  <p:timing>
+    <p:tnLst>
+      <p:par>
+        <p:cTn id="1" dur="indefinite" restart="never" nodeType="tmRoot">
+          <p:childTnLst>
+            <p:seq concurrent="1" nextAc="seek">
+              <p:cTn id="2" dur="indefinite" nodeType="mainSeq">
+                <p:childTnLst>
+                  <p:par>
+                    <p:cTn id="3" fill="hold">
+                      <p:stCondLst>
+                        <p:cond delay="indefinite"/>
+                        <p:cond evt="onBegin" delay="0">
+                          <p:tn val="2"/>
+                        </p:cond>
+                      </p:stCondLst>
+                      <p:childTnLst>
+                        <p:par>
+                          <p:cTn id="4" fill="hold">
+                            <p:stCondLst>
+                              <p:cond delay="0"/>
+                            </p:stCondLst>
+                            <p:childTnLst>
+                              <p:par>
+                                <p:cTn id="5" presetID="8" presetClass="emph" presetSubtype="0" repeatCount="indefinite" fill="hold" nodeType="afterEffect">
+                                  <p:stCondLst>
+                                    <p:cond delay="0"/>
+                                  </p:stCondLst>
+                                  <p:childTnLst>
+                                    <p:animRot by="21600000">
+                                      <p:cBhvr>
+                                        <p:cTn id="6" dur="2000" fill="hold"/>
+                                        <p:tgtEl>
+                                          <p:spTgt spid="4"/>
+                                        </p:tgtEl>
+                                        <p:attrNameLst>
+                                          <p:attrName>r</p:attrName>
+                                        </p:attrNameLst>
+                                      </p:cBhvr>
+                                    </p:animRot>
+                                  </p:childTnLst>
+                                </p:cTn>
+                              </p:par>
+                            </p:childTnLst>
+                          </p:cTn>
+                        </p:par>
+                      </p:childTnLst>
+                    </p:cTn>
+                  </p:par>
+                </p:childTnLst>
+              </p:cTn>
+              <p:prevCondLst>
+                <p:cond evt="onPrev" delay="0">
+                  <p:tgtEl>
+                    <p:sldTgt/>
+                  </p:tgtEl>
+                </p:cond>
+              </p:prevCondLst>
+              <p:nextCondLst>
+                <p:cond evt="onNext" delay="0">
+                  <p:tgtEl>
+                    <p:sldTgt/>
+                  </p:tgtEl>
+                </p:cond>
+              </p:nextCondLst>
+            </p:seq>
+          </p:childTnLst>
+        </p:cTn>
+      </p:par>
+    </p:tnLst>
+  </p:timing>
 </p:sld>
 </file>
 
-<file path=ppt/slides/slide6.xml><?xml version="1.0" encoding="utf-8"?>
+<file path=ppt/slides/slide11.xml><?xml version="1.0" encoding="utf-8"?>
 <p:sld xmlns:a="http://schemas.openxmlformats.org/drawingml/2006/main" xmlns:r="http://schemas.openxmlformats.org/officeDocument/2006/relationships" xmlns:p="http://schemas.openxmlformats.org/presentationml/2006/main">
   <p:cSld>
     <p:spTree>
@@ -3629,272 +3862,9 @@
           <a:chExt cx="0" cy="0"/>
         </a:xfrm>
       </p:grpSpPr>
-      <p:sp>
-        <p:nvSpPr>
-          <p:cNvPr id="2" name="Título 1"/>
-          <p:cNvSpPr>
-            <a:spLocks noGrp="1"/>
-          </p:cNvSpPr>
-          <p:nvPr>
-            <p:ph type="title"/>
-          </p:nvPr>
-        </p:nvSpPr>
-        <p:spPr>
-          <a:xfrm>
-            <a:off x="839788" y="457200"/>
-            <a:ext cx="4947891" cy="1600200"/>
-          </a:xfrm>
-        </p:spPr>
-        <p:txBody>
-          <a:bodyPr/>
-          <a:lstStyle/>
-          <a:p>
-            <a:r>
-              <a:rPr lang="es-ES" dirty="0" err="1"/>
-              <a:t>Saver</a:t>
-            </a:r>
-            <a:endParaRPr lang="es-ES" dirty="0"/>
-          </a:p>
-        </p:txBody>
-      </p:sp>
-      <p:sp>
-        <p:nvSpPr>
-          <p:cNvPr id="4" name="Marcador de texto 3"/>
-          <p:cNvSpPr>
-            <a:spLocks noGrp="1"/>
-          </p:cNvSpPr>
-          <p:nvPr>
-            <p:ph type="body" sz="half" idx="2"/>
-          </p:nvPr>
-        </p:nvSpPr>
-        <p:spPr>
-          <a:xfrm>
-            <a:off x="839788" y="2057400"/>
-            <a:ext cx="4947891" cy="3811588"/>
-          </a:xfrm>
-        </p:spPr>
-        <p:txBody>
-          <a:bodyPr>
-            <a:normAutofit/>
-          </a:bodyPr>
-          <a:lstStyle/>
-          <a:p>
-            <a:pPr marL="285750" indent="-285750">
-              <a:buFont typeface="Arial" panose="020B0604020202020204" pitchFamily="34" charset="0"/>
-              <a:buChar char="•"/>
-            </a:pPr>
-            <a:r>
-              <a:rPr lang="es-ES" sz="2400" dirty="0">
-                <a:latin typeface="+mj-lt"/>
-              </a:rPr>
-              <a:t>Guarda los tweets seleccionados.</a:t>
-            </a:r>
-          </a:p>
-        </p:txBody>
-      </p:sp>
       <p:pic>
         <p:nvPicPr>
-          <p:cNvPr id="3076" name="Picture 4" descr="https://i.gyazo.com/e729e6101d2472f6258e635a81224d2e.png"/>
-          <p:cNvPicPr>
-            <a:picLocks noGrp="1" noChangeAspect="1" noChangeArrowheads="1"/>
-          </p:cNvPicPr>
-          <p:nvPr>
-            <p:ph idx="1"/>
-          </p:nvPr>
-        </p:nvPicPr>
-        <p:blipFill>
-          <a:blip r:embed="rId2">
-            <a:extLst>
-              <a:ext uri="{28A0092B-C50C-407E-A947-70E740481C1C}">
-                <a14:useLocalDpi xmlns:a14="http://schemas.microsoft.com/office/drawing/2010/main" val="0"/>
-              </a:ext>
-            </a:extLst>
-          </a:blip>
-          <a:srcRect/>
-          <a:stretch>
-            <a:fillRect/>
-          </a:stretch>
-        </p:blipFill>
-        <p:spPr bwMode="auto">
-          <a:xfrm>
-            <a:off x="5787679" y="1634226"/>
-            <a:ext cx="6172200" cy="3878603"/>
-          </a:xfrm>
-          <a:prstGeom prst="rect">
-            <a:avLst/>
-          </a:prstGeom>
-          <a:noFill/>
-          <a:extLst>
-            <a:ext uri="{909E8E84-426E-40DD-AFC4-6F175D3DCCD1}">
-              <a14:hiddenFill xmlns:a14="http://schemas.microsoft.com/office/drawing/2010/main">
-                <a:solidFill>
-                  <a:srgbClr val="FFFFFF"/>
-                </a:solidFill>
-              </a14:hiddenFill>
-            </a:ext>
-          </a:extLst>
-        </p:spPr>
-      </p:pic>
-    </p:spTree>
-    <p:extLst>
-      <p:ext uri="{BB962C8B-B14F-4D97-AF65-F5344CB8AC3E}">
-        <p14:creationId xmlns:p14="http://schemas.microsoft.com/office/powerpoint/2010/main" val="4277475122"/>
-      </p:ext>
-    </p:extLst>
-  </p:cSld>
-  <p:clrMapOvr>
-    <a:masterClrMapping/>
-  </p:clrMapOvr>
-</p:sld>
-</file>
-
-<file path=ppt/slides/slide7.xml><?xml version="1.0" encoding="utf-8"?>
-<p:sld xmlns:a="http://schemas.openxmlformats.org/drawingml/2006/main" xmlns:r="http://schemas.openxmlformats.org/officeDocument/2006/relationships" xmlns:p="http://schemas.openxmlformats.org/presentationml/2006/main">
-  <p:cSld>
-    <p:spTree>
-      <p:nvGrpSpPr>
-        <p:cNvPr id="1" name=""/>
-        <p:cNvGrpSpPr/>
-        <p:nvPr/>
-      </p:nvGrpSpPr>
-      <p:grpSpPr>
-        <a:xfrm>
-          <a:off x="0" y="0"/>
-          <a:ext cx="0" cy="0"/>
-          <a:chOff x="0" y="0"/>
-          <a:chExt cx="0" cy="0"/>
-        </a:xfrm>
-      </p:grpSpPr>
-      <p:sp>
-        <p:nvSpPr>
-          <p:cNvPr id="2" name="Título 1"/>
-          <p:cNvSpPr>
-            <a:spLocks noGrp="1"/>
-          </p:cNvSpPr>
-          <p:nvPr>
-            <p:ph type="title"/>
-          </p:nvPr>
-        </p:nvSpPr>
-        <p:spPr>
-          <a:xfrm>
-            <a:off x="839788" y="457200"/>
-            <a:ext cx="4947891" cy="1600200"/>
-          </a:xfrm>
-        </p:spPr>
-        <p:txBody>
-          <a:bodyPr/>
-          <a:lstStyle/>
-          <a:p>
-            <a:r>
-              <a:rPr lang="es-ES" dirty="0" err="1"/>
-              <a:t>Processors</a:t>
-            </a:r>
-            <a:endParaRPr lang="es-ES" dirty="0"/>
-          </a:p>
-        </p:txBody>
-      </p:sp>
-      <p:sp>
-        <p:nvSpPr>
-          <p:cNvPr id="4" name="Marcador de texto 3"/>
-          <p:cNvSpPr>
-            <a:spLocks noGrp="1"/>
-          </p:cNvSpPr>
-          <p:nvPr>
-            <p:ph type="body" sz="half" idx="2"/>
-          </p:nvPr>
-        </p:nvSpPr>
-        <p:spPr>
-          <a:xfrm>
-            <a:off x="839788" y="2057400"/>
-            <a:ext cx="4947891" cy="3811588"/>
-          </a:xfrm>
-        </p:spPr>
-        <p:txBody>
-          <a:bodyPr>
-            <a:normAutofit/>
-          </a:bodyPr>
-          <a:lstStyle/>
-          <a:p>
-            <a:pPr marL="285750" indent="-285750">
-              <a:buFont typeface="Arial" panose="020B0604020202020204" pitchFamily="34" charset="0"/>
-              <a:buChar char="•"/>
-            </a:pPr>
-            <a:r>
-              <a:rPr lang="es-ES" sz="2400" dirty="0">
-                <a:latin typeface="+mj-lt"/>
-              </a:rPr>
-              <a:t>Guarda los tweets seleccionados.</a:t>
-            </a:r>
-          </a:p>
-          <a:p>
-            <a:pPr marL="285750" indent="-285750">
-              <a:buFont typeface="Arial" panose="020B0604020202020204" pitchFamily="34" charset="0"/>
-              <a:buChar char="•"/>
-            </a:pPr>
-            <a:r>
-              <a:rPr lang="es-ES" sz="2400" dirty="0">
-                <a:latin typeface="+mj-lt"/>
-              </a:rPr>
-              <a:t>Processor1 analiza el tweet para comprobar si es de registro.</a:t>
-            </a:r>
-          </a:p>
-          <a:p>
-            <a:pPr marL="285750" indent="-285750">
-              <a:buFont typeface="Arial" panose="020B0604020202020204" pitchFamily="34" charset="0"/>
-              <a:buChar char="•"/>
-            </a:pPr>
-            <a:r>
-              <a:rPr lang="es-ES" sz="2400" dirty="0">
-                <a:latin typeface="+mj-lt"/>
-              </a:rPr>
-              <a:t>Processor2 cuenta hashtag relacionados con los </a:t>
-            </a:r>
-            <a:r>
-              <a:rPr lang="es-ES" sz="2400" dirty="0" err="1">
-                <a:latin typeface="+mj-lt"/>
-              </a:rPr>
-              <a:t>hackathones</a:t>
-            </a:r>
-            <a:r>
-              <a:rPr lang="es-ES" sz="2400" dirty="0">
-                <a:latin typeface="+mj-lt"/>
-              </a:rPr>
-              <a:t> registrados</a:t>
-            </a:r>
-          </a:p>
-          <a:p>
-            <a:pPr marL="285750" indent="-285750">
-              <a:buFont typeface="Arial" panose="020B0604020202020204" pitchFamily="34" charset="0"/>
-              <a:buChar char="•"/>
-            </a:pPr>
-            <a:endParaRPr lang="es-ES" sz="2400" dirty="0">
-              <a:latin typeface="+mj-lt"/>
-            </a:endParaRPr>
-          </a:p>
-        </p:txBody>
-      </p:sp>
-      <p:sp>
-        <p:nvSpPr>
-          <p:cNvPr id="3" name="Marcador de contenido 2"/>
-          <p:cNvSpPr>
-            <a:spLocks noGrp="1"/>
-          </p:cNvSpPr>
-          <p:nvPr>
-            <p:ph idx="1"/>
-          </p:nvPr>
-        </p:nvSpPr>
-        <p:spPr/>
-        <p:txBody>
-          <a:bodyPr/>
-          <a:lstStyle/>
-          <a:p>
-            <a:endParaRPr lang="es-ES"/>
-          </a:p>
-        </p:txBody>
-      </p:sp>
-      <p:pic>
-        <p:nvPicPr>
-          <p:cNvPr id="6146" name="Picture 2" descr="https://i.gyazo.com/4d26ed11ff1d65b674bd8870f0b7bd2e.png"/>
+          <p:cNvPr id="1026" name="Picture 2" descr="Resultado de imagen de mlab"/>
           <p:cNvPicPr>
             <a:picLocks noChangeAspect="1" noChangeArrowheads="1"/>
           </p:cNvPicPr>
@@ -3915,8 +3885,8 @@
         </p:blipFill>
         <p:spPr bwMode="auto">
           <a:xfrm>
-            <a:off x="6201591" y="1102099"/>
-            <a:ext cx="4135394" cy="2640920"/>
+            <a:off x="0" y="-216946"/>
+            <a:ext cx="4542817" cy="2282056"/>
           </a:xfrm>
           <a:prstGeom prst="rect">
             <a:avLst/>
@@ -3933,205 +3903,9 @@
           </a:extLst>
         </p:spPr>
       </p:pic>
-      <p:pic>
-        <p:nvPicPr>
-          <p:cNvPr id="6148" name="Picture 4" descr="https://i.gyazo.com/dcd464e471f6aefddfcb3eb7e36efeb7.png"/>
-          <p:cNvPicPr>
-            <a:picLocks noChangeAspect="1" noChangeArrowheads="1"/>
-          </p:cNvPicPr>
-          <p:nvPr/>
-        </p:nvPicPr>
-        <p:blipFill>
-          <a:blip r:embed="rId3">
-            <a:extLst>
-              <a:ext uri="{28A0092B-C50C-407E-A947-70E740481C1C}">
-                <a14:useLocalDpi xmlns:a14="http://schemas.microsoft.com/office/drawing/2010/main" val="0"/>
-              </a:ext>
-            </a:extLst>
-          </a:blip>
-          <a:srcRect/>
-          <a:stretch>
-            <a:fillRect/>
-          </a:stretch>
-        </p:blipFill>
-        <p:spPr bwMode="auto">
-          <a:xfrm>
-            <a:off x="6209763" y="3890427"/>
-            <a:ext cx="4119050" cy="2673650"/>
-          </a:xfrm>
-          <a:prstGeom prst="rect">
-            <a:avLst/>
-          </a:prstGeom>
-          <a:noFill/>
-          <a:extLst>
-            <a:ext uri="{909E8E84-426E-40DD-AFC4-6F175D3DCCD1}">
-              <a14:hiddenFill xmlns:a14="http://schemas.microsoft.com/office/drawing/2010/main">
-                <a:solidFill>
-                  <a:srgbClr val="FFFFFF"/>
-                </a:solidFill>
-              </a14:hiddenFill>
-            </a:ext>
-          </a:extLst>
-        </p:spPr>
-      </p:pic>
-    </p:spTree>
-    <p:extLst>
-      <p:ext uri="{BB962C8B-B14F-4D97-AF65-F5344CB8AC3E}">
-        <p14:creationId xmlns:p14="http://schemas.microsoft.com/office/powerpoint/2010/main" val="3417500751"/>
-      </p:ext>
-    </p:extLst>
-  </p:cSld>
-  <p:clrMapOvr>
-    <a:masterClrMapping/>
-  </p:clrMapOvr>
-</p:sld>
-</file>
-
-<file path=ppt/slides/slide8.xml><?xml version="1.0" encoding="utf-8"?>
-<p:sld xmlns:a="http://schemas.openxmlformats.org/drawingml/2006/main" xmlns:r="http://schemas.openxmlformats.org/officeDocument/2006/relationships" xmlns:p="http://schemas.openxmlformats.org/presentationml/2006/main">
-  <p:cSld>
-    <p:spTree>
-      <p:nvGrpSpPr>
-        <p:cNvPr id="1" name=""/>
-        <p:cNvGrpSpPr/>
-        <p:nvPr/>
-      </p:nvGrpSpPr>
-      <p:grpSpPr>
-        <a:xfrm>
-          <a:off x="0" y="0"/>
-          <a:ext cx="0" cy="0"/>
-          <a:chOff x="0" y="0"/>
-          <a:chExt cx="0" cy="0"/>
-        </a:xfrm>
-      </p:grpSpPr>
-      <p:sp>
-        <p:nvSpPr>
-          <p:cNvPr id="3" name="Título 1"/>
-          <p:cNvSpPr txBox="1">
-            <a:spLocks/>
-          </p:cNvSpPr>
-          <p:nvPr/>
-        </p:nvSpPr>
-        <p:spPr>
-          <a:xfrm>
-            <a:off x="838200" y="365125"/>
-            <a:ext cx="10515600" cy="1325563"/>
-          </a:xfrm>
-          <a:prstGeom prst="rect">
-            <a:avLst/>
-          </a:prstGeom>
-        </p:spPr>
-        <p:txBody>
-          <a:bodyPr/>
-          <a:lstStyle>
-            <a:lvl1pPr algn="l" defTabSz="914400" rtl="0" eaLnBrk="1" latinLnBrk="0" hangingPunct="1">
-              <a:lnSpc>
-                <a:spcPct val="90000"/>
-              </a:lnSpc>
-              <a:spcBef>
-                <a:spcPct val="0"/>
-              </a:spcBef>
-              <a:buNone/>
-              <a:defRPr sz="4400" kern="1200">
-                <a:solidFill>
-                  <a:schemeClr val="tx1"/>
-                </a:solidFill>
-                <a:latin typeface="+mj-lt"/>
-                <a:ea typeface="+mj-ea"/>
-                <a:cs typeface="+mj-cs"/>
-              </a:defRPr>
-            </a:lvl1pPr>
-          </a:lstStyle>
-          <a:p>
-            <a:endParaRPr lang="es-ES" dirty="0"/>
-          </a:p>
-        </p:txBody>
-      </p:sp>
-      <p:pic>
-        <p:nvPicPr>
-          <p:cNvPr id="1030" name="Picture 6" descr="https://www.cloudamqp.com/img/cloudamqp-anim.gif"/>
-          <p:cNvPicPr>
-            <a:picLocks noChangeAspect="1" noChangeArrowheads="1" noCrop="1"/>
-          </p:cNvPicPr>
-          <p:nvPr/>
-        </p:nvPicPr>
-        <p:blipFill>
-          <a:blip r:embed="rId2">
-            <a:extLst>
-              <a:ext uri="{28A0092B-C50C-407E-A947-70E740481C1C}">
-                <a14:useLocalDpi xmlns:a14="http://schemas.microsoft.com/office/drawing/2010/main" val="0"/>
-              </a:ext>
-            </a:extLst>
-          </a:blip>
-          <a:srcRect/>
-          <a:stretch>
-            <a:fillRect/>
-          </a:stretch>
-        </p:blipFill>
-        <p:spPr bwMode="auto">
-          <a:xfrm>
-            <a:off x="5948265" y="2061827"/>
-            <a:ext cx="6243735" cy="3175385"/>
-          </a:xfrm>
-          <a:prstGeom prst="rect">
-            <a:avLst/>
-          </a:prstGeom>
-          <a:noFill/>
-          <a:extLst>
-            <a:ext uri="{909E8E84-426E-40DD-AFC4-6F175D3DCCD1}">
-              <a14:hiddenFill xmlns:a14="http://schemas.microsoft.com/office/drawing/2010/main">
-                <a:solidFill>
-                  <a:srgbClr val="FFFFFF"/>
-                </a:solidFill>
-              </a14:hiddenFill>
-            </a:ext>
-          </a:extLst>
-        </p:spPr>
-      </p:pic>
-      <p:pic>
-        <p:nvPicPr>
-          <p:cNvPr id="1032" name="Picture 8" descr="Resultado de imagen de cloudamqp"/>
-          <p:cNvPicPr>
-            <a:picLocks noChangeAspect="1" noChangeArrowheads="1"/>
-          </p:cNvPicPr>
-          <p:nvPr/>
-        </p:nvPicPr>
-        <p:blipFill>
-          <a:blip r:embed="rId3">
-            <a:extLst>
-              <a:ext uri="{28A0092B-C50C-407E-A947-70E740481C1C}">
-                <a14:useLocalDpi xmlns:a14="http://schemas.microsoft.com/office/drawing/2010/main" val="0"/>
-              </a:ext>
-            </a:extLst>
-          </a:blip>
-          <a:srcRect/>
-          <a:stretch>
-            <a:fillRect/>
-          </a:stretch>
-        </p:blipFill>
-        <p:spPr bwMode="auto">
-          <a:xfrm>
-            <a:off x="838200" y="245549"/>
-            <a:ext cx="5924893" cy="1455237"/>
-          </a:xfrm>
-          <a:prstGeom prst="rect">
-            <a:avLst/>
-          </a:prstGeom>
-          <a:noFill/>
-          <a:extLst>
-            <a:ext uri="{909E8E84-426E-40DD-AFC4-6F175D3DCCD1}">
-              <a14:hiddenFill xmlns:a14="http://schemas.microsoft.com/office/drawing/2010/main">
-                <a:solidFill>
-                  <a:srgbClr val="FFFFFF"/>
-                </a:solidFill>
-              </a14:hiddenFill>
-            </a:ext>
-          </a:extLst>
-        </p:spPr>
-      </p:pic>
-      <p:sp>
-        <p:nvSpPr>
-          <p:cNvPr id="7" name="Marcador de texto 3"/>
+      <p:sp>
+        <p:nvSpPr>
+          <p:cNvPr id="6" name="Marcador de texto 3"/>
           <p:cNvSpPr txBox="1">
             <a:spLocks/>
           </p:cNvSpPr>
@@ -4320,6 +4094,2524 @@
               <a:rPr lang="es-ES" sz="2400" dirty="0" err="1">
                 <a:latin typeface="+mj-lt"/>
               </a:rPr>
+              <a:t>MongoDB</a:t>
+            </a:r>
+            <a:r>
+              <a:rPr lang="es-ES" sz="2400" dirty="0">
+                <a:latin typeface="+mj-lt"/>
+              </a:rPr>
+              <a:t> as a </a:t>
+            </a:r>
+            <a:r>
+              <a:rPr lang="es-ES" sz="2400" dirty="0" err="1">
+                <a:latin typeface="+mj-lt"/>
+              </a:rPr>
+              <a:t>Service</a:t>
+            </a:r>
+            <a:endParaRPr lang="es-ES" sz="2400" dirty="0">
+              <a:latin typeface="+mj-lt"/>
+            </a:endParaRPr>
+          </a:p>
+          <a:p>
+            <a:pPr marL="285750" indent="-285750"/>
+            <a:r>
+              <a:rPr lang="es-ES" sz="2400" dirty="0">
+                <a:latin typeface="+mj-lt"/>
+              </a:rPr>
+              <a:t>Permite elegir región</a:t>
+            </a:r>
+          </a:p>
+          <a:p>
+            <a:pPr marL="285750" indent="-285750"/>
+            <a:r>
+              <a:rPr lang="es-ES" sz="2400" dirty="0">
+                <a:latin typeface="+mj-lt"/>
+              </a:rPr>
+              <a:t>Permite elegir proveedor</a:t>
+            </a:r>
+          </a:p>
+          <a:p>
+            <a:pPr marL="285750" indent="-285750"/>
+            <a:r>
+              <a:rPr lang="es-ES" sz="2400" dirty="0">
+                <a:latin typeface="+mj-lt"/>
+              </a:rPr>
+              <a:t>Actualmente plan gratuito para desarrollo </a:t>
+            </a:r>
+          </a:p>
+          <a:p>
+            <a:pPr marL="285750" indent="-285750"/>
+            <a:r>
+              <a:rPr lang="es-ES" sz="2400" dirty="0">
+                <a:latin typeface="+mj-lt"/>
+              </a:rPr>
+              <a:t>Cambio de plan para el despliegue</a:t>
+            </a:r>
+          </a:p>
+        </p:txBody>
+      </p:sp>
+      <p:pic>
+        <p:nvPicPr>
+          <p:cNvPr id="2" name="Picture 4" descr="https://i.gyazo.com/b19a60cc267e5efb195f2e0d76456b5e.png"/>
+          <p:cNvPicPr>
+            <a:picLocks noChangeAspect="1" noChangeArrowheads="1"/>
+          </p:cNvPicPr>
+          <p:nvPr/>
+        </p:nvPicPr>
+        <p:blipFill>
+          <a:blip r:embed="rId3">
+            <a:extLst>
+              <a:ext uri="{28A0092B-C50C-407E-A947-70E740481C1C}">
+                <a14:useLocalDpi xmlns:a14="http://schemas.microsoft.com/office/drawing/2010/main" val="0"/>
+              </a:ext>
+            </a:extLst>
+          </a:blip>
+          <a:srcRect/>
+          <a:stretch>
+            <a:fillRect/>
+          </a:stretch>
+        </p:blipFill>
+        <p:spPr bwMode="auto">
+          <a:xfrm>
+            <a:off x="6808856" y="4087635"/>
+            <a:ext cx="4371975" cy="2228850"/>
+          </a:xfrm>
+          <a:prstGeom prst="rect">
+            <a:avLst/>
+          </a:prstGeom>
+          <a:noFill/>
+          <a:extLst>
+            <a:ext uri="{909E8E84-426E-40DD-AFC4-6F175D3DCCD1}">
+              <a14:hiddenFill xmlns:a14="http://schemas.microsoft.com/office/drawing/2010/main">
+                <a:solidFill>
+                  <a:srgbClr val="FFFFFF"/>
+                </a:solidFill>
+              </a14:hiddenFill>
+            </a:ext>
+          </a:extLst>
+        </p:spPr>
+      </p:pic>
+      <p:pic>
+        <p:nvPicPr>
+          <p:cNvPr id="1030" name="Picture 6" descr="Resultado de imagen de mongodb"/>
+          <p:cNvPicPr>
+            <a:picLocks noChangeAspect="1" noChangeArrowheads="1"/>
+          </p:cNvPicPr>
+          <p:nvPr/>
+        </p:nvPicPr>
+        <p:blipFill>
+          <a:blip r:embed="rId4">
+            <a:extLst>
+              <a:ext uri="{28A0092B-C50C-407E-A947-70E740481C1C}">
+                <a14:useLocalDpi xmlns:a14="http://schemas.microsoft.com/office/drawing/2010/main" val="0"/>
+              </a:ext>
+            </a:extLst>
+          </a:blip>
+          <a:srcRect/>
+          <a:stretch>
+            <a:fillRect/>
+          </a:stretch>
+        </p:blipFill>
+        <p:spPr bwMode="auto">
+          <a:xfrm>
+            <a:off x="6342435" y="1731429"/>
+            <a:ext cx="5695336" cy="1546936"/>
+          </a:xfrm>
+          <a:prstGeom prst="rect">
+            <a:avLst/>
+          </a:prstGeom>
+          <a:noFill/>
+          <a:extLst>
+            <a:ext uri="{909E8E84-426E-40DD-AFC4-6F175D3DCCD1}">
+              <a14:hiddenFill xmlns:a14="http://schemas.microsoft.com/office/drawing/2010/main">
+                <a:solidFill>
+                  <a:srgbClr val="FFFFFF"/>
+                </a:solidFill>
+              </a14:hiddenFill>
+            </a:ext>
+          </a:extLst>
+        </p:spPr>
+      </p:pic>
+    </p:spTree>
+    <p:extLst>
+      <p:ext uri="{BB962C8B-B14F-4D97-AF65-F5344CB8AC3E}">
+        <p14:creationId xmlns:p14="http://schemas.microsoft.com/office/powerpoint/2010/main" val="3361831501"/>
+      </p:ext>
+    </p:extLst>
+  </p:cSld>
+  <p:clrMapOvr>
+    <a:masterClrMapping/>
+  </p:clrMapOvr>
+</p:sld>
+</file>
+
+<file path=ppt/slides/slide12.xml><?xml version="1.0" encoding="utf-8"?>
+<p:sld xmlns:a="http://schemas.openxmlformats.org/drawingml/2006/main" xmlns:r="http://schemas.openxmlformats.org/officeDocument/2006/relationships" xmlns:p="http://schemas.openxmlformats.org/presentationml/2006/main">
+  <p:cSld>
+    <p:spTree>
+      <p:nvGrpSpPr>
+        <p:cNvPr id="1" name=""/>
+        <p:cNvGrpSpPr/>
+        <p:nvPr/>
+      </p:nvGrpSpPr>
+      <p:grpSpPr>
+        <a:xfrm>
+          <a:off x="0" y="0"/>
+          <a:ext cx="0" cy="0"/>
+          <a:chOff x="0" y="0"/>
+          <a:chExt cx="0" cy="0"/>
+        </a:xfrm>
+      </p:grpSpPr>
+      <p:sp>
+        <p:nvSpPr>
+          <p:cNvPr id="2" name="Título 1"/>
+          <p:cNvSpPr>
+            <a:spLocks noGrp="1"/>
+          </p:cNvSpPr>
+          <p:nvPr>
+            <p:ph type="title"/>
+          </p:nvPr>
+        </p:nvSpPr>
+        <p:spPr>
+          <a:xfrm>
+            <a:off x="839788" y="457200"/>
+            <a:ext cx="4947891" cy="1102659"/>
+          </a:xfrm>
+        </p:spPr>
+        <p:txBody>
+          <a:bodyPr/>
+          <a:lstStyle/>
+          <a:p>
+            <a:r>
+              <a:rPr lang="es-ES" dirty="0"/>
+              <a:t>Plan de explotación</a:t>
+            </a:r>
+          </a:p>
+        </p:txBody>
+      </p:sp>
+      <p:sp>
+        <p:nvSpPr>
+          <p:cNvPr id="4" name="Marcador de texto 3"/>
+          <p:cNvSpPr>
+            <a:spLocks noGrp="1"/>
+          </p:cNvSpPr>
+          <p:nvPr>
+            <p:ph type="body" sz="half" idx="2"/>
+          </p:nvPr>
+        </p:nvSpPr>
+        <p:spPr>
+          <a:xfrm>
+            <a:off x="839788" y="2057400"/>
+            <a:ext cx="4947891" cy="3811588"/>
+          </a:xfrm>
+        </p:spPr>
+        <p:txBody>
+          <a:bodyPr>
+            <a:normAutofit/>
+          </a:bodyPr>
+          <a:lstStyle/>
+          <a:p>
+            <a:pPr marL="285750" indent="-285750">
+              <a:buFont typeface="Arial" panose="020B0604020202020204" pitchFamily="34" charset="0"/>
+              <a:buChar char="•"/>
+            </a:pPr>
+            <a:r>
+              <a:rPr lang="es-ES" sz="3600" b="1" dirty="0" err="1">
+                <a:latin typeface="+mj-lt"/>
+              </a:rPr>
+              <a:t>CloudAMQP</a:t>
+            </a:r>
+            <a:endParaRPr lang="es-ES" sz="3600" b="1" dirty="0">
+              <a:latin typeface="+mj-lt"/>
+            </a:endParaRPr>
+          </a:p>
+          <a:p>
+            <a:pPr marL="285750" indent="-285750">
+              <a:buFont typeface="Arial" panose="020B0604020202020204" pitchFamily="34" charset="0"/>
+              <a:buChar char="•"/>
+            </a:pPr>
+            <a:r>
+              <a:rPr lang="es-ES" sz="2400" dirty="0">
+                <a:latin typeface="+mj-lt"/>
+              </a:rPr>
+              <a:t>Se elige el plan </a:t>
+            </a:r>
+            <a:r>
+              <a:rPr lang="es-ES" sz="2400" i="1" dirty="0">
+                <a:latin typeface="+mj-lt"/>
+              </a:rPr>
+              <a:t>Big </a:t>
+            </a:r>
+            <a:r>
+              <a:rPr lang="es-ES" sz="2400" i="1" dirty="0" err="1">
+                <a:latin typeface="+mj-lt"/>
+              </a:rPr>
+              <a:t>Bunny</a:t>
+            </a:r>
+            <a:endParaRPr lang="es-ES" sz="2400" i="1" dirty="0">
+              <a:latin typeface="+mj-lt"/>
+            </a:endParaRPr>
+          </a:p>
+          <a:p>
+            <a:pPr marL="285750" indent="-285750">
+              <a:buFont typeface="Arial" panose="020B0604020202020204" pitchFamily="34" charset="0"/>
+              <a:buChar char="•"/>
+            </a:pPr>
+            <a:endParaRPr lang="es-ES" sz="2400" i="1" dirty="0">
+              <a:latin typeface="+mj-lt"/>
+            </a:endParaRPr>
+          </a:p>
+          <a:p>
+            <a:pPr marL="285750" indent="-285750">
+              <a:buFont typeface="Arial" panose="020B0604020202020204" pitchFamily="34" charset="0"/>
+              <a:buChar char="•"/>
+            </a:pPr>
+            <a:endParaRPr lang="es-ES" sz="2400" i="1" dirty="0">
+              <a:latin typeface="+mj-lt"/>
+            </a:endParaRPr>
+          </a:p>
+          <a:p>
+            <a:pPr marL="285750" indent="-285750">
+              <a:buFont typeface="Arial" panose="020B0604020202020204" pitchFamily="34" charset="0"/>
+              <a:buChar char="•"/>
+            </a:pPr>
+            <a:endParaRPr lang="es-ES" sz="2400" i="1" dirty="0">
+              <a:latin typeface="+mj-lt"/>
+            </a:endParaRPr>
+          </a:p>
+          <a:p>
+            <a:pPr marL="285750" indent="-285750">
+              <a:buFont typeface="Arial" panose="020B0604020202020204" pitchFamily="34" charset="0"/>
+              <a:buChar char="•"/>
+            </a:pPr>
+            <a:endParaRPr lang="es-ES" sz="2400" i="1" dirty="0">
+              <a:latin typeface="+mj-lt"/>
+            </a:endParaRPr>
+          </a:p>
+          <a:p>
+            <a:pPr marL="285750" indent="-285750">
+              <a:buFont typeface="Arial" panose="020B0604020202020204" pitchFamily="34" charset="0"/>
+              <a:buChar char="•"/>
+            </a:pPr>
+            <a:r>
+              <a:rPr lang="es-ES" sz="2400" i="1" dirty="0">
+                <a:latin typeface="+mj-lt"/>
+              </a:rPr>
+              <a:t>1188$ al año</a:t>
+            </a:r>
+          </a:p>
+          <a:p>
+            <a:pPr marL="285750" indent="-285750">
+              <a:buFont typeface="Arial" panose="020B0604020202020204" pitchFamily="34" charset="0"/>
+              <a:buChar char="•"/>
+            </a:pPr>
+            <a:endParaRPr lang="es-ES" sz="2400" dirty="0">
+              <a:latin typeface="+mj-lt"/>
+            </a:endParaRPr>
+          </a:p>
+        </p:txBody>
+      </p:sp>
+      <p:sp>
+        <p:nvSpPr>
+          <p:cNvPr id="5" name="CuadroTexto 4"/>
+          <p:cNvSpPr txBox="1"/>
+          <p:nvPr/>
+        </p:nvSpPr>
+        <p:spPr>
+          <a:xfrm>
+            <a:off x="5787679" y="2057400"/>
+            <a:ext cx="4947891" cy="2862322"/>
+          </a:xfrm>
+          <a:prstGeom prst="rect">
+            <a:avLst/>
+          </a:prstGeom>
+          <a:noFill/>
+        </p:spPr>
+        <p:txBody>
+          <a:bodyPr wrap="square" rtlCol="0">
+            <a:spAutoFit/>
+          </a:bodyPr>
+          <a:lstStyle/>
+          <a:p>
+            <a:pPr marL="285750" indent="-285750">
+              <a:buFont typeface="Arial" panose="020B0604020202020204" pitchFamily="34" charset="0"/>
+              <a:buChar char="•"/>
+            </a:pPr>
+            <a:r>
+              <a:rPr lang="es-ES" sz="3600" b="1" dirty="0" err="1">
+                <a:latin typeface="+mj-lt"/>
+              </a:rPr>
+              <a:t>mLab</a:t>
+            </a:r>
+            <a:endParaRPr lang="es-ES" sz="3600" b="1" dirty="0">
+              <a:latin typeface="+mj-lt"/>
+            </a:endParaRPr>
+          </a:p>
+          <a:p>
+            <a:pPr marL="285750" indent="-285750">
+              <a:buFont typeface="Arial" panose="020B0604020202020204" pitchFamily="34" charset="0"/>
+              <a:buChar char="•"/>
+            </a:pPr>
+            <a:r>
+              <a:rPr lang="es-ES" sz="2400" dirty="0">
+                <a:latin typeface="+mj-lt"/>
+              </a:rPr>
+              <a:t>Se elige un plan con 60GB</a:t>
+            </a:r>
+          </a:p>
+          <a:p>
+            <a:pPr marL="285750" indent="-285750">
+              <a:buFont typeface="Arial" panose="020B0604020202020204" pitchFamily="34" charset="0"/>
+              <a:buChar char="•"/>
+            </a:pPr>
+            <a:r>
+              <a:rPr lang="es-ES" sz="2400" dirty="0">
+                <a:latin typeface="+mj-lt"/>
+              </a:rPr>
+              <a:t>Máquina 4GB RAM</a:t>
+            </a:r>
+          </a:p>
+          <a:p>
+            <a:pPr marL="285750" indent="-285750">
+              <a:buFont typeface="Arial" panose="020B0604020202020204" pitchFamily="34" charset="0"/>
+              <a:buChar char="•"/>
+            </a:pPr>
+            <a:r>
+              <a:rPr lang="es-ES" sz="2400" dirty="0">
+                <a:latin typeface="+mj-lt"/>
+              </a:rPr>
+              <a:t>360$ al mes</a:t>
+            </a:r>
+          </a:p>
+          <a:p>
+            <a:pPr marL="285750" indent="-285750">
+              <a:buFont typeface="Arial" panose="020B0604020202020204" pitchFamily="34" charset="0"/>
+              <a:buChar char="•"/>
+            </a:pPr>
+            <a:r>
+              <a:rPr lang="es-ES" sz="2400" dirty="0">
+                <a:latin typeface="+mj-lt"/>
+              </a:rPr>
+              <a:t>4320$ al año</a:t>
+            </a:r>
+          </a:p>
+          <a:p>
+            <a:endParaRPr lang="es-ES" sz="2400" dirty="0">
+              <a:latin typeface="+mj-lt"/>
+            </a:endParaRPr>
+          </a:p>
+          <a:p>
+            <a:pPr marL="285750" indent="-285750">
+              <a:buFont typeface="Arial" panose="020B0604020202020204" pitchFamily="34" charset="0"/>
+              <a:buChar char="•"/>
+            </a:pPr>
+            <a:endParaRPr lang="es-ES" sz="2400" dirty="0">
+              <a:latin typeface="+mj-lt"/>
+            </a:endParaRPr>
+          </a:p>
+        </p:txBody>
+      </p:sp>
+      <p:pic>
+        <p:nvPicPr>
+          <p:cNvPr id="3074" name="Picture 2" descr="https://i.gyazo.com/1e12809492c4f8cd1467484df00476b7.png"/>
+          <p:cNvPicPr>
+            <a:picLocks noChangeAspect="1" noChangeArrowheads="1"/>
+          </p:cNvPicPr>
+          <p:nvPr/>
+        </p:nvPicPr>
+        <p:blipFill>
+          <a:blip r:embed="rId2">
+            <a:extLst>
+              <a:ext uri="{28A0092B-C50C-407E-A947-70E740481C1C}">
+                <a14:useLocalDpi xmlns:a14="http://schemas.microsoft.com/office/drawing/2010/main" val="0"/>
+              </a:ext>
+            </a:extLst>
+          </a:blip>
+          <a:srcRect/>
+          <a:stretch>
+            <a:fillRect/>
+          </a:stretch>
+        </p:blipFill>
+        <p:spPr bwMode="auto">
+          <a:xfrm>
+            <a:off x="1385761" y="3106721"/>
+            <a:ext cx="3855944" cy="1347185"/>
+          </a:xfrm>
+          <a:prstGeom prst="rect">
+            <a:avLst/>
+          </a:prstGeom>
+          <a:noFill/>
+          <a:extLst>
+            <a:ext uri="{909E8E84-426E-40DD-AFC4-6F175D3DCCD1}">
+              <a14:hiddenFill xmlns:a14="http://schemas.microsoft.com/office/drawing/2010/main">
+                <a:solidFill>
+                  <a:srgbClr val="FFFFFF"/>
+                </a:solidFill>
+              </a14:hiddenFill>
+            </a:ext>
+          </a:extLst>
+        </p:spPr>
+      </p:pic>
+    </p:spTree>
+    <p:extLst>
+      <p:ext uri="{BB962C8B-B14F-4D97-AF65-F5344CB8AC3E}">
+        <p14:creationId xmlns:p14="http://schemas.microsoft.com/office/powerpoint/2010/main" val="1007120234"/>
+      </p:ext>
+    </p:extLst>
+  </p:cSld>
+  <p:clrMapOvr>
+    <a:masterClrMapping/>
+  </p:clrMapOvr>
+</p:sld>
+</file>
+
+<file path=ppt/slides/slide13.xml><?xml version="1.0" encoding="utf-8"?>
+<p:sld xmlns:a="http://schemas.openxmlformats.org/drawingml/2006/main" xmlns:r="http://schemas.openxmlformats.org/officeDocument/2006/relationships" xmlns:p="http://schemas.openxmlformats.org/presentationml/2006/main">
+  <p:cSld>
+    <p:spTree>
+      <p:nvGrpSpPr>
+        <p:cNvPr id="1" name=""/>
+        <p:cNvGrpSpPr/>
+        <p:nvPr/>
+      </p:nvGrpSpPr>
+      <p:grpSpPr>
+        <a:xfrm>
+          <a:off x="0" y="0"/>
+          <a:ext cx="0" cy="0"/>
+          <a:chOff x="0" y="0"/>
+          <a:chExt cx="0" cy="0"/>
+        </a:xfrm>
+      </p:grpSpPr>
+      <p:sp>
+        <p:nvSpPr>
+          <p:cNvPr id="5" name="Título 1"/>
+          <p:cNvSpPr txBox="1">
+            <a:spLocks/>
+          </p:cNvSpPr>
+          <p:nvPr/>
+        </p:nvSpPr>
+        <p:spPr>
+          <a:xfrm>
+            <a:off x="838200" y="365125"/>
+            <a:ext cx="10515600" cy="1325563"/>
+          </a:xfrm>
+          <a:prstGeom prst="rect">
+            <a:avLst/>
+          </a:prstGeom>
+        </p:spPr>
+        <p:txBody>
+          <a:bodyPr vert="horz" lIns="91440" tIns="45720" rIns="91440" bIns="45720" rtlCol="0" anchor="b">
+            <a:normAutofit/>
+          </a:bodyPr>
+          <a:lstStyle>
+            <a:lvl1pPr algn="l" defTabSz="914400" rtl="0" eaLnBrk="1" latinLnBrk="0" hangingPunct="1">
+              <a:lnSpc>
+                <a:spcPct val="90000"/>
+              </a:lnSpc>
+              <a:spcBef>
+                <a:spcPct val="0"/>
+              </a:spcBef>
+              <a:buNone/>
+              <a:defRPr sz="3200" kern="1200">
+                <a:solidFill>
+                  <a:schemeClr val="tx1"/>
+                </a:solidFill>
+                <a:latin typeface="+mj-lt"/>
+                <a:ea typeface="+mj-ea"/>
+                <a:cs typeface="+mj-cs"/>
+              </a:defRPr>
+            </a:lvl1pPr>
+          </a:lstStyle>
+          <a:p>
+            <a:r>
+              <a:rPr lang="es-ES" dirty="0"/>
+              <a:t>Máquinas</a:t>
+            </a:r>
+          </a:p>
+        </p:txBody>
+      </p:sp>
+    </p:spTree>
+    <p:extLst>
+      <p:ext uri="{BB962C8B-B14F-4D97-AF65-F5344CB8AC3E}">
+        <p14:creationId xmlns:p14="http://schemas.microsoft.com/office/powerpoint/2010/main" val="1950475035"/>
+      </p:ext>
+    </p:extLst>
+  </p:cSld>
+  <p:clrMapOvr>
+    <a:masterClrMapping/>
+  </p:clrMapOvr>
+</p:sld>
+</file>
+
+<file path=ppt/slides/slide14.xml><?xml version="1.0" encoding="utf-8"?>
+<p:sld xmlns:a="http://schemas.openxmlformats.org/drawingml/2006/main" xmlns:r="http://schemas.openxmlformats.org/officeDocument/2006/relationships" xmlns:p="http://schemas.openxmlformats.org/presentationml/2006/main">
+  <p:cSld>
+    <p:spTree>
+      <p:nvGrpSpPr>
+        <p:cNvPr id="1" name=""/>
+        <p:cNvGrpSpPr/>
+        <p:nvPr/>
+      </p:nvGrpSpPr>
+      <p:grpSpPr>
+        <a:xfrm>
+          <a:off x="0" y="0"/>
+          <a:ext cx="0" cy="0"/>
+          <a:chOff x="0" y="0"/>
+          <a:chExt cx="0" cy="0"/>
+        </a:xfrm>
+      </p:grpSpPr>
+      <p:sp>
+        <p:nvSpPr>
+          <p:cNvPr id="2" name="Título 1"/>
+          <p:cNvSpPr>
+            <a:spLocks noGrp="1"/>
+          </p:cNvSpPr>
+          <p:nvPr>
+            <p:ph type="title"/>
+          </p:nvPr>
+        </p:nvSpPr>
+        <p:spPr/>
+        <p:txBody>
+          <a:bodyPr/>
+          <a:lstStyle/>
+          <a:p>
+            <a:r>
+              <a:rPr lang="es-ES" dirty="0"/>
+              <a:t>Google Cloud</a:t>
+            </a:r>
+          </a:p>
+        </p:txBody>
+      </p:sp>
+      <p:sp>
+        <p:nvSpPr>
+          <p:cNvPr id="3" name="Marcador de contenido 2"/>
+          <p:cNvSpPr>
+            <a:spLocks noGrp="1"/>
+          </p:cNvSpPr>
+          <p:nvPr>
+            <p:ph idx="1"/>
+          </p:nvPr>
+        </p:nvSpPr>
+        <p:spPr>
+          <a:xfrm>
+            <a:off x="838200" y="1825624"/>
+            <a:ext cx="10515600" cy="5032375"/>
+          </a:xfrm>
+        </p:spPr>
+        <p:txBody>
+          <a:bodyPr>
+            <a:normAutofit fontScale="77500" lnSpcReduction="20000"/>
+          </a:bodyPr>
+          <a:lstStyle/>
+          <a:p>
+            <a:endParaRPr lang="es-ES" i="1" dirty="0"/>
+          </a:p>
+          <a:p>
+            <a:r>
+              <a:rPr lang="es-ES" sz="3600" i="1" dirty="0">
+                <a:latin typeface="+mj-lt"/>
+              </a:rPr>
+              <a:t>n1-standard-4</a:t>
+            </a:r>
+          </a:p>
+          <a:p>
+            <a:r>
+              <a:rPr lang="es-ES" sz="3600" i="1" dirty="0">
+                <a:latin typeface="+mj-lt"/>
+              </a:rPr>
+              <a:t>4 </a:t>
+            </a:r>
+            <a:r>
+              <a:rPr lang="es-ES" sz="3600" i="1" dirty="0" err="1">
+                <a:latin typeface="+mj-lt"/>
+              </a:rPr>
+              <a:t>CPUs</a:t>
+            </a:r>
+            <a:endParaRPr lang="es-ES" sz="3600" i="1" dirty="0">
+              <a:latin typeface="+mj-lt"/>
+            </a:endParaRPr>
+          </a:p>
+          <a:p>
+            <a:r>
+              <a:rPr lang="es-ES" sz="3600" i="1" dirty="0">
+                <a:latin typeface="+mj-lt"/>
+              </a:rPr>
+              <a:t>15GB RAM</a:t>
+            </a:r>
+          </a:p>
+          <a:p>
+            <a:endParaRPr lang="es-ES" i="1" dirty="0"/>
+          </a:p>
+          <a:p>
+            <a:endParaRPr lang="es-ES" i="1" dirty="0"/>
+          </a:p>
+          <a:p>
+            <a:endParaRPr lang="es-ES" i="1" dirty="0"/>
+          </a:p>
+          <a:p>
+            <a:endParaRPr lang="es-ES" i="1" dirty="0"/>
+          </a:p>
+          <a:p>
+            <a:endParaRPr lang="es-ES" i="1" dirty="0"/>
+          </a:p>
+          <a:p>
+            <a:endParaRPr lang="es-ES" i="1" dirty="0"/>
+          </a:p>
+          <a:p>
+            <a:endParaRPr lang="es-ES" i="1" dirty="0"/>
+          </a:p>
+          <a:p>
+            <a:endParaRPr lang="es-ES" i="1" dirty="0"/>
+          </a:p>
+          <a:p>
+            <a:r>
+              <a:rPr lang="es-ES" sz="3600" i="1" dirty="0">
+                <a:latin typeface="Cambria Math" panose="02040503050406030204" pitchFamily="18" charset="0"/>
+                <a:ea typeface="Cambria Math" panose="02040503050406030204" pitchFamily="18" charset="0"/>
+              </a:rPr>
+              <a:t>8073.88+8073.88∗0.1+1533.96=10415.23€</a:t>
+            </a:r>
+          </a:p>
+          <a:p>
+            <a:endParaRPr lang="es-ES" dirty="0"/>
+          </a:p>
+        </p:txBody>
+      </p:sp>
+      <p:pic>
+        <p:nvPicPr>
+          <p:cNvPr id="5" name="Imagen 4" descr="https://i.gyazo.com/7e194c3e82c6d90e50af7122541cbc22.png"/>
+          <p:cNvPicPr/>
+          <p:nvPr/>
+        </p:nvPicPr>
+        <p:blipFill>
+          <a:blip r:embed="rId2">
+            <a:extLst>
+              <a:ext uri="{28A0092B-C50C-407E-A947-70E740481C1C}">
+                <a14:useLocalDpi xmlns:a14="http://schemas.microsoft.com/office/drawing/2010/main" val="0"/>
+              </a:ext>
+            </a:extLst>
+          </a:blip>
+          <a:srcRect/>
+          <a:stretch>
+            <a:fillRect/>
+          </a:stretch>
+        </p:blipFill>
+        <p:spPr bwMode="auto">
+          <a:xfrm>
+            <a:off x="6337423" y="690928"/>
+            <a:ext cx="4124325" cy="5191125"/>
+          </a:xfrm>
+          <a:prstGeom prst="rect">
+            <a:avLst/>
+          </a:prstGeom>
+          <a:noFill/>
+          <a:ln>
+            <a:noFill/>
+          </a:ln>
+        </p:spPr>
+      </p:pic>
+    </p:spTree>
+    <p:extLst>
+      <p:ext uri="{BB962C8B-B14F-4D97-AF65-F5344CB8AC3E}">
+        <p14:creationId xmlns:p14="http://schemas.microsoft.com/office/powerpoint/2010/main" val="1770099775"/>
+      </p:ext>
+    </p:extLst>
+  </p:cSld>
+  <p:clrMapOvr>
+    <a:masterClrMapping/>
+  </p:clrMapOvr>
+</p:sld>
+</file>
+
+<file path=ppt/slides/slide15.xml><?xml version="1.0" encoding="utf-8"?>
+<p:sld xmlns:a="http://schemas.openxmlformats.org/drawingml/2006/main" xmlns:r="http://schemas.openxmlformats.org/officeDocument/2006/relationships" xmlns:p="http://schemas.openxmlformats.org/presentationml/2006/main">
+  <p:cSld>
+    <p:spTree>
+      <p:nvGrpSpPr>
+        <p:cNvPr id="1" name=""/>
+        <p:cNvGrpSpPr/>
+        <p:nvPr/>
+      </p:nvGrpSpPr>
+      <p:grpSpPr>
+        <a:xfrm>
+          <a:off x="0" y="0"/>
+          <a:ext cx="0" cy="0"/>
+          <a:chOff x="0" y="0"/>
+          <a:chExt cx="0" cy="0"/>
+        </a:xfrm>
+      </p:grpSpPr>
+      <p:sp>
+        <p:nvSpPr>
+          <p:cNvPr id="2" name="Título 1"/>
+          <p:cNvSpPr>
+            <a:spLocks noGrp="1"/>
+          </p:cNvSpPr>
+          <p:nvPr>
+            <p:ph type="title"/>
+          </p:nvPr>
+        </p:nvSpPr>
+        <p:spPr/>
+        <p:txBody>
+          <a:bodyPr/>
+          <a:lstStyle/>
+          <a:p>
+            <a:r>
+              <a:rPr lang="es-ES" dirty="0"/>
+              <a:t>Amazon Web </a:t>
+            </a:r>
+            <a:r>
+              <a:rPr lang="es-ES" dirty="0" err="1"/>
+              <a:t>Services</a:t>
+            </a:r>
+            <a:endParaRPr lang="es-ES" dirty="0"/>
+          </a:p>
+        </p:txBody>
+      </p:sp>
+      <p:sp>
+        <p:nvSpPr>
+          <p:cNvPr id="3" name="Marcador de contenido 2"/>
+          <p:cNvSpPr>
+            <a:spLocks noGrp="1"/>
+          </p:cNvSpPr>
+          <p:nvPr>
+            <p:ph idx="1"/>
+          </p:nvPr>
+        </p:nvSpPr>
+        <p:spPr>
+          <a:xfrm>
+            <a:off x="838200" y="1825624"/>
+            <a:ext cx="10515600" cy="5032375"/>
+          </a:xfrm>
+        </p:spPr>
+        <p:txBody>
+          <a:bodyPr>
+            <a:normAutofit lnSpcReduction="10000"/>
+          </a:bodyPr>
+          <a:lstStyle/>
+          <a:p>
+            <a:endParaRPr lang="es-ES" i="1" dirty="0"/>
+          </a:p>
+          <a:p>
+            <a:endParaRPr lang="es-ES" i="1" dirty="0"/>
+          </a:p>
+          <a:p>
+            <a:endParaRPr lang="es-ES" i="1" dirty="0"/>
+          </a:p>
+          <a:p>
+            <a:endParaRPr lang="es-ES" i="1" dirty="0"/>
+          </a:p>
+          <a:p>
+            <a:endParaRPr lang="es-ES" i="1" dirty="0"/>
+          </a:p>
+          <a:p>
+            <a:endParaRPr lang="es-ES" i="1" dirty="0"/>
+          </a:p>
+          <a:p>
+            <a:endParaRPr lang="es-ES" i="1" dirty="0"/>
+          </a:p>
+          <a:p>
+            <a:endParaRPr lang="es-ES" i="1" dirty="0"/>
+          </a:p>
+          <a:p>
+            <a:endParaRPr lang="es-ES" i="1" dirty="0"/>
+          </a:p>
+          <a:p>
+            <a:r>
+              <a:rPr lang="es-ES" sz="3600" i="1" dirty="0">
+                <a:latin typeface="Cambria Math" panose="02040503050406030204" pitchFamily="18" charset="0"/>
+                <a:ea typeface="Cambria Math" panose="02040503050406030204" pitchFamily="18" charset="0"/>
+              </a:rPr>
+              <a:t>19238.85+120.03∗12=20679.21€</a:t>
+            </a:r>
+          </a:p>
+          <a:p>
+            <a:endParaRPr lang="es-ES" dirty="0"/>
+          </a:p>
+        </p:txBody>
+      </p:sp>
+      <p:pic>
+        <p:nvPicPr>
+          <p:cNvPr id="5" name="Imagen 4" descr="https://i.gyazo.com/a2c84d6c0a4a52e9c6026589b73b5734.png"/>
+          <p:cNvPicPr/>
+          <p:nvPr/>
+        </p:nvPicPr>
+        <p:blipFill>
+          <a:blip r:embed="rId3">
+            <a:extLst>
+              <a:ext uri="{28A0092B-C50C-407E-A947-70E740481C1C}">
+                <a14:useLocalDpi xmlns:a14="http://schemas.microsoft.com/office/drawing/2010/main" val="0"/>
+              </a:ext>
+            </a:extLst>
+          </a:blip>
+          <a:srcRect/>
+          <a:stretch>
+            <a:fillRect/>
+          </a:stretch>
+        </p:blipFill>
+        <p:spPr bwMode="auto">
+          <a:xfrm>
+            <a:off x="1353013" y="1324463"/>
+            <a:ext cx="9485973" cy="4682751"/>
+          </a:xfrm>
+          <a:prstGeom prst="rect">
+            <a:avLst/>
+          </a:prstGeom>
+          <a:noFill/>
+          <a:ln>
+            <a:noFill/>
+          </a:ln>
+        </p:spPr>
+      </p:pic>
+    </p:spTree>
+    <p:extLst>
+      <p:ext uri="{BB962C8B-B14F-4D97-AF65-F5344CB8AC3E}">
+        <p14:creationId xmlns:p14="http://schemas.microsoft.com/office/powerpoint/2010/main" val="1308800438"/>
+      </p:ext>
+    </p:extLst>
+  </p:cSld>
+  <p:clrMapOvr>
+    <a:masterClrMapping/>
+  </p:clrMapOvr>
+</p:sld>
+</file>
+
+<file path=ppt/slides/slide16.xml><?xml version="1.0" encoding="utf-8"?>
+<p:sld xmlns:a="http://schemas.openxmlformats.org/drawingml/2006/main" xmlns:r="http://schemas.openxmlformats.org/officeDocument/2006/relationships" xmlns:p="http://schemas.openxmlformats.org/presentationml/2006/main">
+  <p:cSld>
+    <p:spTree>
+      <p:nvGrpSpPr>
+        <p:cNvPr id="1" name=""/>
+        <p:cNvGrpSpPr/>
+        <p:nvPr/>
+      </p:nvGrpSpPr>
+      <p:grpSpPr>
+        <a:xfrm>
+          <a:off x="0" y="0"/>
+          <a:ext cx="0" cy="0"/>
+          <a:chOff x="0" y="0"/>
+          <a:chExt cx="0" cy="0"/>
+        </a:xfrm>
+      </p:grpSpPr>
+      <p:sp>
+        <p:nvSpPr>
+          <p:cNvPr id="2" name="Título 1"/>
+          <p:cNvSpPr>
+            <a:spLocks noGrp="1"/>
+          </p:cNvSpPr>
+          <p:nvPr>
+            <p:ph type="title"/>
+          </p:nvPr>
+        </p:nvSpPr>
+        <p:spPr/>
+        <p:txBody>
+          <a:bodyPr/>
+          <a:lstStyle/>
+          <a:p>
+            <a:r>
+              <a:rPr lang="es-ES" dirty="0"/>
+              <a:t>Microsoft Azure</a:t>
+            </a:r>
+          </a:p>
+        </p:txBody>
+      </p:sp>
+      <p:sp>
+        <p:nvSpPr>
+          <p:cNvPr id="3" name="Marcador de contenido 2"/>
+          <p:cNvSpPr>
+            <a:spLocks noGrp="1"/>
+          </p:cNvSpPr>
+          <p:nvPr>
+            <p:ph idx="1"/>
+          </p:nvPr>
+        </p:nvSpPr>
+        <p:spPr/>
+        <p:txBody>
+          <a:bodyPr>
+            <a:normAutofit lnSpcReduction="10000"/>
+          </a:bodyPr>
+          <a:lstStyle/>
+          <a:p>
+            <a:endParaRPr lang="es-ES" i="1" dirty="0"/>
+          </a:p>
+          <a:p>
+            <a:endParaRPr lang="es-ES" i="1" dirty="0"/>
+          </a:p>
+          <a:p>
+            <a:endParaRPr lang="es-ES" i="1" dirty="0"/>
+          </a:p>
+          <a:p>
+            <a:endParaRPr lang="es-ES" i="1" dirty="0"/>
+          </a:p>
+          <a:p>
+            <a:endParaRPr lang="es-ES" i="1" dirty="0"/>
+          </a:p>
+          <a:p>
+            <a:endParaRPr lang="es-ES" i="1" dirty="0"/>
+          </a:p>
+          <a:p>
+            <a:endParaRPr lang="es-ES" i="1" dirty="0"/>
+          </a:p>
+          <a:p>
+            <a:endParaRPr lang="es-ES" i="1" dirty="0"/>
+          </a:p>
+          <a:p>
+            <a:r>
+              <a:rPr lang="es-ES" sz="3600" i="1" dirty="0">
+                <a:latin typeface="Cambria Math" panose="02040503050406030204" pitchFamily="18" charset="0"/>
+                <a:ea typeface="Cambria Math" panose="02040503050406030204" pitchFamily="18" charset="0"/>
+              </a:rPr>
+              <a:t>12648.69+12648.69∗0.1=13913.56€</a:t>
+            </a:r>
+          </a:p>
+          <a:p>
+            <a:endParaRPr lang="es-ES" dirty="0"/>
+          </a:p>
+        </p:txBody>
+      </p:sp>
+      <p:pic>
+        <p:nvPicPr>
+          <p:cNvPr id="4" name="Imagen 3" descr="https://i.gyazo.com/c8646cde8c74dcba83674238b32b6651.png"/>
+          <p:cNvPicPr/>
+          <p:nvPr/>
+        </p:nvPicPr>
+        <p:blipFill>
+          <a:blip r:embed="rId3">
+            <a:extLst>
+              <a:ext uri="{28A0092B-C50C-407E-A947-70E740481C1C}">
+                <a14:useLocalDpi xmlns:a14="http://schemas.microsoft.com/office/drawing/2010/main" val="0"/>
+              </a:ext>
+            </a:extLst>
+          </a:blip>
+          <a:srcRect/>
+          <a:stretch>
+            <a:fillRect/>
+          </a:stretch>
+        </p:blipFill>
+        <p:spPr bwMode="auto">
+          <a:xfrm>
+            <a:off x="950225" y="2123842"/>
+            <a:ext cx="10403575" cy="2611904"/>
+          </a:xfrm>
+          <a:prstGeom prst="rect">
+            <a:avLst/>
+          </a:prstGeom>
+          <a:noFill/>
+          <a:ln>
+            <a:noFill/>
+          </a:ln>
+        </p:spPr>
+      </p:pic>
+    </p:spTree>
+    <p:extLst>
+      <p:ext uri="{BB962C8B-B14F-4D97-AF65-F5344CB8AC3E}">
+        <p14:creationId xmlns:p14="http://schemas.microsoft.com/office/powerpoint/2010/main" val="2726921551"/>
+      </p:ext>
+    </p:extLst>
+  </p:cSld>
+  <p:clrMapOvr>
+    <a:masterClrMapping/>
+  </p:clrMapOvr>
+</p:sld>
+</file>
+
+<file path=ppt/slides/slide17.xml><?xml version="1.0" encoding="utf-8"?>
+<p:sld xmlns:a="http://schemas.openxmlformats.org/drawingml/2006/main" xmlns:r="http://schemas.openxmlformats.org/officeDocument/2006/relationships" xmlns:p="http://schemas.openxmlformats.org/presentationml/2006/main">
+  <p:cSld>
+    <p:spTree>
+      <p:nvGrpSpPr>
+        <p:cNvPr id="1" name=""/>
+        <p:cNvGrpSpPr/>
+        <p:nvPr/>
+      </p:nvGrpSpPr>
+      <p:grpSpPr>
+        <a:xfrm>
+          <a:off x="0" y="0"/>
+          <a:ext cx="0" cy="0"/>
+          <a:chOff x="0" y="0"/>
+          <a:chExt cx="0" cy="0"/>
+        </a:xfrm>
+      </p:grpSpPr>
+      <p:sp>
+        <p:nvSpPr>
+          <p:cNvPr id="2" name="Título 1"/>
+          <p:cNvSpPr>
+            <a:spLocks noGrp="1"/>
+          </p:cNvSpPr>
+          <p:nvPr>
+            <p:ph type="title"/>
+          </p:nvPr>
+        </p:nvSpPr>
+        <p:spPr/>
+        <p:txBody>
+          <a:bodyPr/>
+          <a:lstStyle/>
+          <a:p>
+            <a:r>
+              <a:rPr lang="es-ES" dirty="0"/>
+              <a:t>Comparación</a:t>
+            </a:r>
+          </a:p>
+        </p:txBody>
+      </p:sp>
+      <p:graphicFrame>
+        <p:nvGraphicFramePr>
+          <p:cNvPr id="6" name="Marcador de contenido 5"/>
+          <p:cNvGraphicFramePr>
+            <a:graphicFrameLocks noGrp="1" noChangeAspect="1"/>
+          </p:cNvGraphicFramePr>
+          <p:nvPr>
+            <p:ph idx="1"/>
+            <p:extLst>
+              <p:ext uri="{D42A27DB-BD31-4B8C-83A1-F6EECF244321}">
+                <p14:modId xmlns:p14="http://schemas.microsoft.com/office/powerpoint/2010/main" val="1326424613"/>
+              </p:ext>
+            </p:extLst>
+          </p:nvPr>
+        </p:nvGraphicFramePr>
+        <p:xfrm>
+          <a:off x="1965960" y="2611438"/>
+          <a:ext cx="10515600" cy="2319337"/>
+        </p:xfrm>
+        <a:graphic>
+          <a:graphicData uri="http://schemas.openxmlformats.org/presentationml/2006/ole">
+            <mc:AlternateContent xmlns:mc="http://schemas.openxmlformats.org/markup-compatibility/2006">
+              <mc:Choice xmlns:v="urn:schemas-microsoft-com:vml" Requires="v">
+                <p:oleObj spid="_x0000_s4108" name="Worksheet" r:id="rId3" imgW="5082363" imgH="1120164" progId="Excel.Sheet.12">
+                  <p:embed/>
+                </p:oleObj>
+              </mc:Choice>
+              <mc:Fallback>
+                <p:oleObj name="Worksheet" r:id="rId3" imgW="5082363" imgH="1120164" progId="Excel.Sheet.12">
+                  <p:embed/>
+                  <p:pic>
+                    <p:nvPicPr>
+                      <p:cNvPr id="0" name=""/>
+                      <p:cNvPicPr/>
+                      <p:nvPr/>
+                    </p:nvPicPr>
+                    <p:blipFill>
+                      <a:blip r:embed="rId4"/>
+                      <a:stretch>
+                        <a:fillRect/>
+                      </a:stretch>
+                    </p:blipFill>
+                    <p:spPr>
+                      <a:xfrm>
+                        <a:off x="1965960" y="2611438"/>
+                        <a:ext cx="10515600" cy="2319337"/>
+                      </a:xfrm>
+                      <a:prstGeom prst="rect">
+                        <a:avLst/>
+                      </a:prstGeom>
+                    </p:spPr>
+                  </p:pic>
+                </p:oleObj>
+              </mc:Fallback>
+            </mc:AlternateContent>
+          </a:graphicData>
+        </a:graphic>
+      </p:graphicFrame>
+    </p:spTree>
+    <p:extLst>
+      <p:ext uri="{BB962C8B-B14F-4D97-AF65-F5344CB8AC3E}">
+        <p14:creationId xmlns:p14="http://schemas.microsoft.com/office/powerpoint/2010/main" val="289263676"/>
+      </p:ext>
+    </p:extLst>
+  </p:cSld>
+  <p:clrMapOvr>
+    <a:masterClrMapping/>
+  </p:clrMapOvr>
+</p:sld>
+</file>
+
+<file path=ppt/slides/slide2.xml><?xml version="1.0" encoding="utf-8"?>
+<p:sld xmlns:a="http://schemas.openxmlformats.org/drawingml/2006/main" xmlns:r="http://schemas.openxmlformats.org/officeDocument/2006/relationships" xmlns:p="http://schemas.openxmlformats.org/presentationml/2006/main">
+  <p:cSld>
+    <p:spTree>
+      <p:nvGrpSpPr>
+        <p:cNvPr id="1" name=""/>
+        <p:cNvGrpSpPr/>
+        <p:nvPr/>
+      </p:nvGrpSpPr>
+      <p:grpSpPr>
+        <a:xfrm>
+          <a:off x="0" y="0"/>
+          <a:ext cx="0" cy="0"/>
+          <a:chOff x="0" y="0"/>
+          <a:chExt cx="0" cy="0"/>
+        </a:xfrm>
+      </p:grpSpPr>
+      <p:sp>
+        <p:nvSpPr>
+          <p:cNvPr id="2" name="Título 1"/>
+          <p:cNvSpPr>
+            <a:spLocks noGrp="1"/>
+          </p:cNvSpPr>
+          <p:nvPr>
+            <p:ph type="title"/>
+          </p:nvPr>
+        </p:nvSpPr>
+        <p:spPr/>
+        <p:txBody>
+          <a:bodyPr/>
+          <a:lstStyle/>
+          <a:p>
+            <a:r>
+              <a:rPr lang="es-ES" dirty="0" err="1"/>
+              <a:t>Aplicacion</a:t>
+            </a:r>
+            <a:endParaRPr lang="es-ES" dirty="0"/>
+          </a:p>
+        </p:txBody>
+      </p:sp>
+      <p:sp>
+        <p:nvSpPr>
+          <p:cNvPr id="3" name="Marcador de contenido 2"/>
+          <p:cNvSpPr>
+            <a:spLocks noGrp="1"/>
+          </p:cNvSpPr>
+          <p:nvPr>
+            <p:ph idx="1"/>
+          </p:nvPr>
+        </p:nvSpPr>
+        <p:spPr/>
+        <p:txBody>
+          <a:bodyPr/>
+          <a:lstStyle/>
+          <a:p>
+            <a:r>
+              <a:rPr lang="es-ES" dirty="0">
+                <a:latin typeface="+mj-lt"/>
+              </a:rPr>
+              <a:t>Registro de personas en hackathon</a:t>
+            </a:r>
+          </a:p>
+          <a:p>
+            <a:endParaRPr lang="es-ES" dirty="0">
+              <a:latin typeface="+mj-lt"/>
+            </a:endParaRPr>
+          </a:p>
+          <a:p>
+            <a:r>
+              <a:rPr lang="es-ES" dirty="0">
+                <a:latin typeface="+mj-lt"/>
+              </a:rPr>
+              <a:t>Creación de nuevos hackáthones</a:t>
+            </a:r>
+          </a:p>
+          <a:p>
+            <a:endParaRPr lang="es-ES" dirty="0">
+              <a:latin typeface="+mj-lt"/>
+            </a:endParaRPr>
+          </a:p>
+          <a:p>
+            <a:r>
+              <a:rPr lang="es-ES" dirty="0">
+                <a:latin typeface="+mj-lt"/>
+              </a:rPr>
+              <a:t>Edición de datos recolectados</a:t>
+            </a:r>
+          </a:p>
+          <a:p>
+            <a:endParaRPr lang="es-ES" dirty="0">
+              <a:latin typeface="+mj-lt"/>
+            </a:endParaRPr>
+          </a:p>
+          <a:p>
+            <a:r>
+              <a:rPr lang="es-ES" dirty="0">
+                <a:latin typeface="+mj-lt"/>
+              </a:rPr>
+              <a:t>Edición de hackáthones</a:t>
+            </a:r>
+          </a:p>
+          <a:p>
+            <a:endParaRPr lang="es-ES" dirty="0">
+              <a:latin typeface="+mj-lt"/>
+            </a:endParaRPr>
+          </a:p>
+          <a:p>
+            <a:endParaRPr lang="es-ES" dirty="0">
+              <a:latin typeface="+mj-lt"/>
+            </a:endParaRPr>
+          </a:p>
+        </p:txBody>
+      </p:sp>
+    </p:spTree>
+    <p:extLst>
+      <p:ext uri="{BB962C8B-B14F-4D97-AF65-F5344CB8AC3E}">
+        <p14:creationId xmlns:p14="http://schemas.microsoft.com/office/powerpoint/2010/main" val="3322570395"/>
+      </p:ext>
+    </p:extLst>
+  </p:cSld>
+  <p:clrMapOvr>
+    <a:masterClrMapping/>
+  </p:clrMapOvr>
+</p:sld>
+</file>
+
+<file path=ppt/slides/slide3.xml><?xml version="1.0" encoding="utf-8"?>
+<p:sld xmlns:a="http://schemas.openxmlformats.org/drawingml/2006/main" xmlns:r="http://schemas.openxmlformats.org/officeDocument/2006/relationships" xmlns:p="http://schemas.openxmlformats.org/presentationml/2006/main">
+  <p:cSld>
+    <p:spTree>
+      <p:nvGrpSpPr>
+        <p:cNvPr id="1" name=""/>
+        <p:cNvGrpSpPr/>
+        <p:nvPr/>
+      </p:nvGrpSpPr>
+      <p:grpSpPr>
+        <a:xfrm>
+          <a:off x="0" y="0"/>
+          <a:ext cx="0" cy="0"/>
+          <a:chOff x="0" y="0"/>
+          <a:chExt cx="0" cy="0"/>
+        </a:xfrm>
+      </p:grpSpPr>
+      <p:pic>
+        <p:nvPicPr>
+          <p:cNvPr id="6" name="Marcador de contenido 5"/>
+          <p:cNvPicPr>
+            <a:picLocks noGrp="1" noChangeAspect="1"/>
+          </p:cNvPicPr>
+          <p:nvPr>
+            <p:ph idx="1"/>
+          </p:nvPr>
+        </p:nvPicPr>
+        <p:blipFill>
+          <a:blip r:embed="rId2">
+            <a:extLst>
+              <a:ext uri="{28A0092B-C50C-407E-A947-70E740481C1C}">
+                <a14:useLocalDpi xmlns:a14="http://schemas.microsoft.com/office/drawing/2010/main" val="0"/>
+              </a:ext>
+            </a:extLst>
+          </a:blip>
+          <a:stretch>
+            <a:fillRect/>
+          </a:stretch>
+        </p:blipFill>
+        <p:spPr>
+          <a:xfrm>
+            <a:off x="1203648" y="0"/>
+            <a:ext cx="9937104" cy="6857695"/>
+          </a:xfrm>
+        </p:spPr>
+      </p:pic>
+    </p:spTree>
+    <p:extLst>
+      <p:ext uri="{BB962C8B-B14F-4D97-AF65-F5344CB8AC3E}">
+        <p14:creationId xmlns:p14="http://schemas.microsoft.com/office/powerpoint/2010/main" val="2029953985"/>
+      </p:ext>
+    </p:extLst>
+  </p:cSld>
+  <p:clrMapOvr>
+    <a:masterClrMapping/>
+  </p:clrMapOvr>
+</p:sld>
+</file>
+
+<file path=ppt/slides/slide4.xml><?xml version="1.0" encoding="utf-8"?>
+<p:sld xmlns:a="http://schemas.openxmlformats.org/drawingml/2006/main" xmlns:r="http://schemas.openxmlformats.org/officeDocument/2006/relationships" xmlns:p="http://schemas.openxmlformats.org/presentationml/2006/main">
+  <p:cSld>
+    <p:spTree>
+      <p:nvGrpSpPr>
+        <p:cNvPr id="1" name=""/>
+        <p:cNvGrpSpPr/>
+        <p:nvPr/>
+      </p:nvGrpSpPr>
+      <p:grpSpPr>
+        <a:xfrm>
+          <a:off x="0" y="0"/>
+          <a:ext cx="0" cy="0"/>
+          <a:chOff x="0" y="0"/>
+          <a:chExt cx="0" cy="0"/>
+        </a:xfrm>
+      </p:grpSpPr>
+      <p:sp>
+        <p:nvSpPr>
+          <p:cNvPr id="2" name="Título 1"/>
+          <p:cNvSpPr>
+            <a:spLocks noGrp="1"/>
+          </p:cNvSpPr>
+          <p:nvPr>
+            <p:ph type="title"/>
+          </p:nvPr>
+        </p:nvSpPr>
+        <p:spPr>
+          <a:xfrm>
+            <a:off x="839788" y="457200"/>
+            <a:ext cx="4947891" cy="1600200"/>
+          </a:xfrm>
+        </p:spPr>
+        <p:txBody>
+          <a:bodyPr/>
+          <a:lstStyle/>
+          <a:p>
+            <a:r>
+              <a:rPr lang="es-ES" dirty="0" err="1"/>
+              <a:t>Dashboard-Updater</a:t>
+            </a:r>
+            <a:br>
+              <a:rPr lang="es-ES" dirty="0"/>
+            </a:br>
+            <a:endParaRPr lang="es-ES" dirty="0"/>
+          </a:p>
+        </p:txBody>
+      </p:sp>
+      <p:sp>
+        <p:nvSpPr>
+          <p:cNvPr id="4" name="Marcador de texto 3"/>
+          <p:cNvSpPr>
+            <a:spLocks noGrp="1"/>
+          </p:cNvSpPr>
+          <p:nvPr>
+            <p:ph type="body" sz="half" idx="2"/>
+          </p:nvPr>
+        </p:nvSpPr>
+        <p:spPr>
+          <a:xfrm>
+            <a:off x="839788" y="2057400"/>
+            <a:ext cx="4947891" cy="3811588"/>
+          </a:xfrm>
+        </p:spPr>
+        <p:txBody>
+          <a:bodyPr>
+            <a:normAutofit/>
+          </a:bodyPr>
+          <a:lstStyle/>
+          <a:p>
+            <a:pPr marL="285750" indent="-285750">
+              <a:buFont typeface="Arial" panose="020B0604020202020204" pitchFamily="34" charset="0"/>
+              <a:buChar char="•"/>
+            </a:pPr>
+            <a:r>
+              <a:rPr lang="es-ES" sz="2400" dirty="0">
+                <a:latin typeface="+mj-lt"/>
+              </a:rPr>
+              <a:t>API de cara al cliente</a:t>
+            </a:r>
+          </a:p>
+          <a:p>
+            <a:pPr marL="285750" indent="-285750">
+              <a:buFont typeface="Arial" panose="020B0604020202020204" pitchFamily="34" charset="0"/>
+              <a:buChar char="•"/>
+            </a:pPr>
+            <a:r>
+              <a:rPr lang="es-ES" sz="2400" dirty="0">
+                <a:latin typeface="+mj-lt"/>
+              </a:rPr>
+              <a:t>Gestiona peticiones y operaciones relacionadas con el cliente</a:t>
+            </a:r>
+          </a:p>
+          <a:p>
+            <a:pPr marL="285750" indent="-285750">
+              <a:buFont typeface="Arial" panose="020B0604020202020204" pitchFamily="34" charset="0"/>
+              <a:buChar char="•"/>
+            </a:pPr>
+            <a:r>
+              <a:rPr lang="es-ES" sz="2400" dirty="0" err="1">
+                <a:latin typeface="+mj-lt"/>
+              </a:rPr>
+              <a:t>Updater</a:t>
+            </a:r>
+            <a:r>
+              <a:rPr lang="es-ES" sz="2400" dirty="0">
+                <a:latin typeface="+mj-lt"/>
+              </a:rPr>
+              <a:t> utiliza </a:t>
+            </a:r>
+            <a:r>
+              <a:rPr lang="es-ES" sz="2400" dirty="0" err="1">
+                <a:latin typeface="+mj-lt"/>
+              </a:rPr>
+              <a:t>WebSockets</a:t>
+            </a:r>
+            <a:r>
+              <a:rPr lang="es-ES" sz="2400" dirty="0">
+                <a:latin typeface="+mj-lt"/>
+              </a:rPr>
+              <a:t> para actualizar al cliente.</a:t>
+            </a:r>
+          </a:p>
+        </p:txBody>
+      </p:sp>
+      <p:pic>
+        <p:nvPicPr>
+          <p:cNvPr id="5" name="Picture 2" descr="https://i.gyazo.com/41eba58e00b92fcfb911de6931162495.png"/>
+          <p:cNvPicPr>
+            <a:picLocks noGrp="1" noChangeAspect="1" noChangeArrowheads="1"/>
+          </p:cNvPicPr>
+          <p:nvPr>
+            <p:ph idx="1"/>
+          </p:nvPr>
+        </p:nvPicPr>
+        <p:blipFill>
+          <a:blip r:embed="rId2">
+            <a:extLst>
+              <a:ext uri="{28A0092B-C50C-407E-A947-70E740481C1C}">
+                <a14:useLocalDpi xmlns:a14="http://schemas.microsoft.com/office/drawing/2010/main" val="0"/>
+              </a:ext>
+            </a:extLst>
+          </a:blip>
+          <a:srcRect/>
+          <a:stretch>
+            <a:fillRect/>
+          </a:stretch>
+        </p:blipFill>
+        <p:spPr bwMode="auto">
+          <a:xfrm>
+            <a:off x="5787679" y="1657103"/>
+            <a:ext cx="4963218" cy="3534268"/>
+          </a:xfrm>
+          <a:prstGeom prst="rect">
+            <a:avLst/>
+          </a:prstGeom>
+          <a:noFill/>
+          <a:extLst>
+            <a:ext uri="{909E8E84-426E-40DD-AFC4-6F175D3DCCD1}">
+              <a14:hiddenFill xmlns:a14="http://schemas.microsoft.com/office/drawing/2010/main">
+                <a:solidFill>
+                  <a:srgbClr val="FFFFFF"/>
+                </a:solidFill>
+              </a14:hiddenFill>
+            </a:ext>
+          </a:extLst>
+        </p:spPr>
+      </p:pic>
+    </p:spTree>
+    <p:extLst>
+      <p:ext uri="{BB962C8B-B14F-4D97-AF65-F5344CB8AC3E}">
+        <p14:creationId xmlns:p14="http://schemas.microsoft.com/office/powerpoint/2010/main" val="2579606260"/>
+      </p:ext>
+    </p:extLst>
+  </p:cSld>
+  <p:clrMapOvr>
+    <a:masterClrMapping/>
+  </p:clrMapOvr>
+</p:sld>
+</file>
+
+<file path=ppt/slides/slide5.xml><?xml version="1.0" encoding="utf-8"?>
+<p:sld xmlns:a="http://schemas.openxmlformats.org/drawingml/2006/main" xmlns:r="http://schemas.openxmlformats.org/officeDocument/2006/relationships" xmlns:p="http://schemas.openxmlformats.org/presentationml/2006/main">
+  <p:cSld>
+    <p:spTree>
+      <p:nvGrpSpPr>
+        <p:cNvPr id="1" name=""/>
+        <p:cNvGrpSpPr/>
+        <p:nvPr/>
+      </p:nvGrpSpPr>
+      <p:grpSpPr>
+        <a:xfrm>
+          <a:off x="0" y="0"/>
+          <a:ext cx="0" cy="0"/>
+          <a:chOff x="0" y="0"/>
+          <a:chExt cx="0" cy="0"/>
+        </a:xfrm>
+      </p:grpSpPr>
+      <p:sp>
+        <p:nvSpPr>
+          <p:cNvPr id="2" name="Título 1"/>
+          <p:cNvSpPr>
+            <a:spLocks noGrp="1"/>
+          </p:cNvSpPr>
+          <p:nvPr>
+            <p:ph type="title"/>
+          </p:nvPr>
+        </p:nvSpPr>
+        <p:spPr>
+          <a:xfrm>
+            <a:off x="839788" y="457200"/>
+            <a:ext cx="4947891" cy="1600200"/>
+          </a:xfrm>
+        </p:spPr>
+        <p:txBody>
+          <a:bodyPr/>
+          <a:lstStyle/>
+          <a:p>
+            <a:r>
+              <a:rPr lang="es-ES" dirty="0" err="1"/>
+              <a:t>Recollector-Chooser</a:t>
+            </a:r>
+            <a:br>
+              <a:rPr lang="es-ES" dirty="0"/>
+            </a:br>
+            <a:endParaRPr lang="es-ES" dirty="0"/>
+          </a:p>
+        </p:txBody>
+      </p:sp>
+      <p:sp>
+        <p:nvSpPr>
+          <p:cNvPr id="4" name="Marcador de texto 3"/>
+          <p:cNvSpPr>
+            <a:spLocks noGrp="1"/>
+          </p:cNvSpPr>
+          <p:nvPr>
+            <p:ph type="body" sz="half" idx="2"/>
+          </p:nvPr>
+        </p:nvSpPr>
+        <p:spPr>
+          <a:xfrm>
+            <a:off x="839788" y="2057400"/>
+            <a:ext cx="4947891" cy="3811588"/>
+          </a:xfrm>
+        </p:spPr>
+        <p:txBody>
+          <a:bodyPr>
+            <a:normAutofit/>
+          </a:bodyPr>
+          <a:lstStyle/>
+          <a:p>
+            <a:pPr marL="285750" indent="-285750">
+              <a:buFont typeface="Arial" panose="020B0604020202020204" pitchFamily="34" charset="0"/>
+              <a:buChar char="•"/>
+            </a:pPr>
+            <a:r>
+              <a:rPr lang="es-ES" sz="2400" dirty="0" err="1">
+                <a:latin typeface="+mj-lt"/>
+              </a:rPr>
+              <a:t>Recollector</a:t>
+            </a:r>
+            <a:r>
+              <a:rPr lang="es-ES" sz="2400" dirty="0">
+                <a:latin typeface="+mj-lt"/>
+              </a:rPr>
+              <a:t> recoge Tweets de Twitter</a:t>
+            </a:r>
+          </a:p>
+          <a:p>
+            <a:pPr marL="285750" indent="-285750">
+              <a:buFont typeface="Arial" panose="020B0604020202020204" pitchFamily="34" charset="0"/>
+              <a:buChar char="•"/>
+            </a:pPr>
+            <a:r>
+              <a:rPr lang="es-ES" sz="2400" dirty="0">
+                <a:latin typeface="+mj-lt"/>
+              </a:rPr>
+              <a:t>Se distribuyen entre los </a:t>
+            </a:r>
+            <a:r>
+              <a:rPr lang="es-ES" sz="2400" dirty="0" err="1">
+                <a:latin typeface="+mj-lt"/>
+              </a:rPr>
+              <a:t>chooser</a:t>
+            </a:r>
+            <a:endParaRPr lang="es-ES" sz="2400" dirty="0">
+              <a:latin typeface="+mj-lt"/>
+            </a:endParaRPr>
+          </a:p>
+          <a:p>
+            <a:pPr marL="285750" indent="-285750">
+              <a:buFont typeface="Arial" panose="020B0604020202020204" pitchFamily="34" charset="0"/>
+              <a:buChar char="•"/>
+            </a:pPr>
+            <a:r>
+              <a:rPr lang="es-ES" sz="2400" dirty="0" err="1">
+                <a:latin typeface="+mj-lt"/>
+              </a:rPr>
+              <a:t>Chooser</a:t>
+            </a:r>
+            <a:r>
+              <a:rPr lang="es-ES" sz="2400" dirty="0">
+                <a:latin typeface="+mj-lt"/>
+              </a:rPr>
+              <a:t> dejan pasar los indicados</a:t>
+            </a:r>
+          </a:p>
+          <a:p>
+            <a:pPr marL="285750" indent="-285750">
+              <a:buFont typeface="Arial" panose="020B0604020202020204" pitchFamily="34" charset="0"/>
+              <a:buChar char="•"/>
+            </a:pPr>
+            <a:r>
+              <a:rPr lang="es-ES" sz="2400" dirty="0" err="1">
+                <a:latin typeface="+mj-lt"/>
+              </a:rPr>
+              <a:t>Chooser</a:t>
+            </a:r>
+            <a:r>
+              <a:rPr lang="es-ES" sz="2400" dirty="0">
+                <a:latin typeface="+mj-lt"/>
+              </a:rPr>
+              <a:t> los envía al resto de componentes</a:t>
+            </a:r>
+          </a:p>
+        </p:txBody>
+      </p:sp>
+      <p:sp>
+        <p:nvSpPr>
+          <p:cNvPr id="3" name="Marcador de contenido 2"/>
+          <p:cNvSpPr>
+            <a:spLocks noGrp="1"/>
+          </p:cNvSpPr>
+          <p:nvPr>
+            <p:ph idx="1"/>
+          </p:nvPr>
+        </p:nvSpPr>
+        <p:spPr/>
+        <p:txBody>
+          <a:bodyPr/>
+          <a:lstStyle/>
+          <a:p>
+            <a:endParaRPr lang="es-ES" dirty="0"/>
+          </a:p>
+        </p:txBody>
+      </p:sp>
+      <p:pic>
+        <p:nvPicPr>
+          <p:cNvPr id="6" name="Picture 2" descr="https://i.gyazo.com/4ba8c40659df58315114c6c0ee087bcf.png"/>
+          <p:cNvPicPr>
+            <a:picLocks noChangeAspect="1" noChangeArrowheads="1"/>
+          </p:cNvPicPr>
+          <p:nvPr/>
+        </p:nvPicPr>
+        <p:blipFill>
+          <a:blip r:embed="rId2">
+            <a:extLst>
+              <a:ext uri="{28A0092B-C50C-407E-A947-70E740481C1C}">
+                <a14:useLocalDpi xmlns:a14="http://schemas.microsoft.com/office/drawing/2010/main" val="0"/>
+              </a:ext>
+            </a:extLst>
+          </a:blip>
+          <a:srcRect/>
+          <a:stretch>
+            <a:fillRect/>
+          </a:stretch>
+        </p:blipFill>
+        <p:spPr bwMode="auto">
+          <a:xfrm>
+            <a:off x="5821363" y="1694614"/>
+            <a:ext cx="4895850" cy="3943350"/>
+          </a:xfrm>
+          <a:prstGeom prst="rect">
+            <a:avLst/>
+          </a:prstGeom>
+          <a:noFill/>
+          <a:extLst>
+            <a:ext uri="{909E8E84-426E-40DD-AFC4-6F175D3DCCD1}">
+              <a14:hiddenFill xmlns:a14="http://schemas.microsoft.com/office/drawing/2010/main">
+                <a:solidFill>
+                  <a:srgbClr val="FFFFFF"/>
+                </a:solidFill>
+              </a14:hiddenFill>
+            </a:ext>
+          </a:extLst>
+        </p:spPr>
+      </p:pic>
+    </p:spTree>
+    <p:extLst>
+      <p:ext uri="{BB962C8B-B14F-4D97-AF65-F5344CB8AC3E}">
+        <p14:creationId xmlns:p14="http://schemas.microsoft.com/office/powerpoint/2010/main" val="3076466838"/>
+      </p:ext>
+    </p:extLst>
+  </p:cSld>
+  <p:clrMapOvr>
+    <a:masterClrMapping/>
+  </p:clrMapOvr>
+</p:sld>
+</file>
+
+<file path=ppt/slides/slide6.xml><?xml version="1.0" encoding="utf-8"?>
+<p:sld xmlns:a="http://schemas.openxmlformats.org/drawingml/2006/main" xmlns:r="http://schemas.openxmlformats.org/officeDocument/2006/relationships" xmlns:p="http://schemas.openxmlformats.org/presentationml/2006/main">
+  <p:cSld>
+    <p:spTree>
+      <p:nvGrpSpPr>
+        <p:cNvPr id="1" name=""/>
+        <p:cNvGrpSpPr/>
+        <p:nvPr/>
+      </p:nvGrpSpPr>
+      <p:grpSpPr>
+        <a:xfrm>
+          <a:off x="0" y="0"/>
+          <a:ext cx="0" cy="0"/>
+          <a:chOff x="0" y="0"/>
+          <a:chExt cx="0" cy="0"/>
+        </a:xfrm>
+      </p:grpSpPr>
+      <p:sp>
+        <p:nvSpPr>
+          <p:cNvPr id="2" name="Título 1"/>
+          <p:cNvSpPr>
+            <a:spLocks noGrp="1"/>
+          </p:cNvSpPr>
+          <p:nvPr>
+            <p:ph type="title"/>
+          </p:nvPr>
+        </p:nvSpPr>
+        <p:spPr>
+          <a:xfrm>
+            <a:off x="839788" y="457200"/>
+            <a:ext cx="4947891" cy="1600200"/>
+          </a:xfrm>
+        </p:spPr>
+        <p:txBody>
+          <a:bodyPr/>
+          <a:lstStyle/>
+          <a:p>
+            <a:r>
+              <a:rPr lang="es-ES" dirty="0" err="1"/>
+              <a:t>Saver</a:t>
+            </a:r>
+            <a:endParaRPr lang="es-ES" dirty="0"/>
+          </a:p>
+        </p:txBody>
+      </p:sp>
+      <p:sp>
+        <p:nvSpPr>
+          <p:cNvPr id="4" name="Marcador de texto 3"/>
+          <p:cNvSpPr>
+            <a:spLocks noGrp="1"/>
+          </p:cNvSpPr>
+          <p:nvPr>
+            <p:ph type="body" sz="half" idx="2"/>
+          </p:nvPr>
+        </p:nvSpPr>
+        <p:spPr>
+          <a:xfrm>
+            <a:off x="839788" y="2057400"/>
+            <a:ext cx="4947891" cy="3811588"/>
+          </a:xfrm>
+        </p:spPr>
+        <p:txBody>
+          <a:bodyPr>
+            <a:normAutofit/>
+          </a:bodyPr>
+          <a:lstStyle/>
+          <a:p>
+            <a:pPr marL="285750" indent="-285750">
+              <a:buFont typeface="Arial" panose="020B0604020202020204" pitchFamily="34" charset="0"/>
+              <a:buChar char="•"/>
+            </a:pPr>
+            <a:r>
+              <a:rPr lang="es-ES" sz="2400" dirty="0">
+                <a:latin typeface="+mj-lt"/>
+              </a:rPr>
+              <a:t>Guarda los tweets seleccionados.</a:t>
+            </a:r>
+          </a:p>
+        </p:txBody>
+      </p:sp>
+      <p:pic>
+        <p:nvPicPr>
+          <p:cNvPr id="3076" name="Picture 4" descr="https://i.gyazo.com/e729e6101d2472f6258e635a81224d2e.png"/>
+          <p:cNvPicPr>
+            <a:picLocks noGrp="1" noChangeAspect="1" noChangeArrowheads="1"/>
+          </p:cNvPicPr>
+          <p:nvPr>
+            <p:ph idx="1"/>
+          </p:nvPr>
+        </p:nvPicPr>
+        <p:blipFill>
+          <a:blip r:embed="rId2">
+            <a:extLst>
+              <a:ext uri="{28A0092B-C50C-407E-A947-70E740481C1C}">
+                <a14:useLocalDpi xmlns:a14="http://schemas.microsoft.com/office/drawing/2010/main" val="0"/>
+              </a:ext>
+            </a:extLst>
+          </a:blip>
+          <a:srcRect/>
+          <a:stretch>
+            <a:fillRect/>
+          </a:stretch>
+        </p:blipFill>
+        <p:spPr bwMode="auto">
+          <a:xfrm>
+            <a:off x="5787679" y="1634226"/>
+            <a:ext cx="6172200" cy="3878603"/>
+          </a:xfrm>
+          <a:prstGeom prst="rect">
+            <a:avLst/>
+          </a:prstGeom>
+          <a:noFill/>
+          <a:extLst>
+            <a:ext uri="{909E8E84-426E-40DD-AFC4-6F175D3DCCD1}">
+              <a14:hiddenFill xmlns:a14="http://schemas.microsoft.com/office/drawing/2010/main">
+                <a:solidFill>
+                  <a:srgbClr val="FFFFFF"/>
+                </a:solidFill>
+              </a14:hiddenFill>
+            </a:ext>
+          </a:extLst>
+        </p:spPr>
+      </p:pic>
+    </p:spTree>
+    <p:extLst>
+      <p:ext uri="{BB962C8B-B14F-4D97-AF65-F5344CB8AC3E}">
+        <p14:creationId xmlns:p14="http://schemas.microsoft.com/office/powerpoint/2010/main" val="4277475122"/>
+      </p:ext>
+    </p:extLst>
+  </p:cSld>
+  <p:clrMapOvr>
+    <a:masterClrMapping/>
+  </p:clrMapOvr>
+</p:sld>
+</file>
+
+<file path=ppt/slides/slide7.xml><?xml version="1.0" encoding="utf-8"?>
+<p:sld xmlns:a="http://schemas.openxmlformats.org/drawingml/2006/main" xmlns:r="http://schemas.openxmlformats.org/officeDocument/2006/relationships" xmlns:p="http://schemas.openxmlformats.org/presentationml/2006/main">
+  <p:cSld>
+    <p:spTree>
+      <p:nvGrpSpPr>
+        <p:cNvPr id="1" name=""/>
+        <p:cNvGrpSpPr/>
+        <p:nvPr/>
+      </p:nvGrpSpPr>
+      <p:grpSpPr>
+        <a:xfrm>
+          <a:off x="0" y="0"/>
+          <a:ext cx="0" cy="0"/>
+          <a:chOff x="0" y="0"/>
+          <a:chExt cx="0" cy="0"/>
+        </a:xfrm>
+      </p:grpSpPr>
+      <p:sp>
+        <p:nvSpPr>
+          <p:cNvPr id="2" name="Título 1"/>
+          <p:cNvSpPr>
+            <a:spLocks noGrp="1"/>
+          </p:cNvSpPr>
+          <p:nvPr>
+            <p:ph type="title"/>
+          </p:nvPr>
+        </p:nvSpPr>
+        <p:spPr>
+          <a:xfrm>
+            <a:off x="839788" y="457200"/>
+            <a:ext cx="4947891" cy="1600200"/>
+          </a:xfrm>
+        </p:spPr>
+        <p:txBody>
+          <a:bodyPr/>
+          <a:lstStyle/>
+          <a:p>
+            <a:r>
+              <a:rPr lang="es-ES" dirty="0" err="1"/>
+              <a:t>Processors</a:t>
+            </a:r>
+            <a:endParaRPr lang="es-ES" dirty="0"/>
+          </a:p>
+        </p:txBody>
+      </p:sp>
+      <p:sp>
+        <p:nvSpPr>
+          <p:cNvPr id="4" name="Marcador de texto 3"/>
+          <p:cNvSpPr>
+            <a:spLocks noGrp="1"/>
+          </p:cNvSpPr>
+          <p:nvPr>
+            <p:ph type="body" sz="half" idx="2"/>
+          </p:nvPr>
+        </p:nvSpPr>
+        <p:spPr>
+          <a:xfrm>
+            <a:off x="839788" y="2057400"/>
+            <a:ext cx="4947891" cy="3811588"/>
+          </a:xfrm>
+        </p:spPr>
+        <p:txBody>
+          <a:bodyPr>
+            <a:normAutofit/>
+          </a:bodyPr>
+          <a:lstStyle/>
+          <a:p>
+            <a:pPr marL="285750" indent="-285750">
+              <a:buFont typeface="Arial" panose="020B0604020202020204" pitchFamily="34" charset="0"/>
+              <a:buChar char="•"/>
+            </a:pPr>
+            <a:r>
+              <a:rPr lang="es-ES" sz="2400" dirty="0">
+                <a:latin typeface="+mj-lt"/>
+              </a:rPr>
+              <a:t>Guarda los tweets seleccionados.</a:t>
+            </a:r>
+          </a:p>
+          <a:p>
+            <a:pPr marL="285750" indent="-285750">
+              <a:buFont typeface="Arial" panose="020B0604020202020204" pitchFamily="34" charset="0"/>
+              <a:buChar char="•"/>
+            </a:pPr>
+            <a:r>
+              <a:rPr lang="es-ES" sz="2400" dirty="0">
+                <a:latin typeface="+mj-lt"/>
+              </a:rPr>
+              <a:t>Processor1 analiza el tweet para comprobar si es de registro.</a:t>
+            </a:r>
+          </a:p>
+          <a:p>
+            <a:pPr marL="285750" indent="-285750">
+              <a:buFont typeface="Arial" panose="020B0604020202020204" pitchFamily="34" charset="0"/>
+              <a:buChar char="•"/>
+            </a:pPr>
+            <a:r>
+              <a:rPr lang="es-ES" sz="2400" dirty="0">
+                <a:latin typeface="+mj-lt"/>
+              </a:rPr>
+              <a:t>Processor2 cuenta hashtag relacionados con los </a:t>
+            </a:r>
+            <a:r>
+              <a:rPr lang="es-ES" sz="2400" dirty="0" err="1">
+                <a:latin typeface="+mj-lt"/>
+              </a:rPr>
+              <a:t>hackathones</a:t>
+            </a:r>
+            <a:r>
+              <a:rPr lang="es-ES" sz="2400" dirty="0">
+                <a:latin typeface="+mj-lt"/>
+              </a:rPr>
+              <a:t> registrados</a:t>
+            </a:r>
+          </a:p>
+          <a:p>
+            <a:pPr marL="285750" indent="-285750">
+              <a:buFont typeface="Arial" panose="020B0604020202020204" pitchFamily="34" charset="0"/>
+              <a:buChar char="•"/>
+            </a:pPr>
+            <a:endParaRPr lang="es-ES" sz="2400" dirty="0">
+              <a:latin typeface="+mj-lt"/>
+            </a:endParaRPr>
+          </a:p>
+        </p:txBody>
+      </p:sp>
+      <p:sp>
+        <p:nvSpPr>
+          <p:cNvPr id="3" name="Marcador de contenido 2"/>
+          <p:cNvSpPr>
+            <a:spLocks noGrp="1"/>
+          </p:cNvSpPr>
+          <p:nvPr>
+            <p:ph idx="1"/>
+          </p:nvPr>
+        </p:nvSpPr>
+        <p:spPr/>
+        <p:txBody>
+          <a:bodyPr/>
+          <a:lstStyle/>
+          <a:p>
+            <a:endParaRPr lang="es-ES"/>
+          </a:p>
+        </p:txBody>
+      </p:sp>
+      <p:pic>
+        <p:nvPicPr>
+          <p:cNvPr id="6146" name="Picture 2" descr="https://i.gyazo.com/4d26ed11ff1d65b674bd8870f0b7bd2e.png"/>
+          <p:cNvPicPr>
+            <a:picLocks noChangeAspect="1" noChangeArrowheads="1"/>
+          </p:cNvPicPr>
+          <p:nvPr/>
+        </p:nvPicPr>
+        <p:blipFill>
+          <a:blip r:embed="rId2">
+            <a:extLst>
+              <a:ext uri="{28A0092B-C50C-407E-A947-70E740481C1C}">
+                <a14:useLocalDpi xmlns:a14="http://schemas.microsoft.com/office/drawing/2010/main" val="0"/>
+              </a:ext>
+            </a:extLst>
+          </a:blip>
+          <a:srcRect/>
+          <a:stretch>
+            <a:fillRect/>
+          </a:stretch>
+        </p:blipFill>
+        <p:spPr bwMode="auto">
+          <a:xfrm>
+            <a:off x="6201591" y="1102099"/>
+            <a:ext cx="4135394" cy="2640920"/>
+          </a:xfrm>
+          <a:prstGeom prst="rect">
+            <a:avLst/>
+          </a:prstGeom>
+          <a:noFill/>
+          <a:extLst>
+            <a:ext uri="{909E8E84-426E-40DD-AFC4-6F175D3DCCD1}">
+              <a14:hiddenFill xmlns:a14="http://schemas.microsoft.com/office/drawing/2010/main">
+                <a:solidFill>
+                  <a:srgbClr val="FFFFFF"/>
+                </a:solidFill>
+              </a14:hiddenFill>
+            </a:ext>
+          </a:extLst>
+        </p:spPr>
+      </p:pic>
+      <p:pic>
+        <p:nvPicPr>
+          <p:cNvPr id="6148" name="Picture 4" descr="https://i.gyazo.com/dcd464e471f6aefddfcb3eb7e36efeb7.png"/>
+          <p:cNvPicPr>
+            <a:picLocks noChangeAspect="1" noChangeArrowheads="1"/>
+          </p:cNvPicPr>
+          <p:nvPr/>
+        </p:nvPicPr>
+        <p:blipFill>
+          <a:blip r:embed="rId3">
+            <a:extLst>
+              <a:ext uri="{28A0092B-C50C-407E-A947-70E740481C1C}">
+                <a14:useLocalDpi xmlns:a14="http://schemas.microsoft.com/office/drawing/2010/main" val="0"/>
+              </a:ext>
+            </a:extLst>
+          </a:blip>
+          <a:srcRect/>
+          <a:stretch>
+            <a:fillRect/>
+          </a:stretch>
+        </p:blipFill>
+        <p:spPr bwMode="auto">
+          <a:xfrm>
+            <a:off x="6209763" y="3890427"/>
+            <a:ext cx="4119050" cy="2673650"/>
+          </a:xfrm>
+          <a:prstGeom prst="rect">
+            <a:avLst/>
+          </a:prstGeom>
+          <a:noFill/>
+          <a:extLst>
+            <a:ext uri="{909E8E84-426E-40DD-AFC4-6F175D3DCCD1}">
+              <a14:hiddenFill xmlns:a14="http://schemas.microsoft.com/office/drawing/2010/main">
+                <a:solidFill>
+                  <a:srgbClr val="FFFFFF"/>
+                </a:solidFill>
+              </a14:hiddenFill>
+            </a:ext>
+          </a:extLst>
+        </p:spPr>
+      </p:pic>
+    </p:spTree>
+    <p:extLst>
+      <p:ext uri="{BB962C8B-B14F-4D97-AF65-F5344CB8AC3E}">
+        <p14:creationId xmlns:p14="http://schemas.microsoft.com/office/powerpoint/2010/main" val="3417500751"/>
+      </p:ext>
+    </p:extLst>
+  </p:cSld>
+  <p:clrMapOvr>
+    <a:masterClrMapping/>
+  </p:clrMapOvr>
+</p:sld>
+</file>
+
+<file path=ppt/slides/slide8.xml><?xml version="1.0" encoding="utf-8"?>
+<p:sld xmlns:a="http://schemas.openxmlformats.org/drawingml/2006/main" xmlns:r="http://schemas.openxmlformats.org/officeDocument/2006/relationships" xmlns:p="http://schemas.openxmlformats.org/presentationml/2006/main">
+  <p:cSld>
+    <p:spTree>
+      <p:nvGrpSpPr>
+        <p:cNvPr id="1" name=""/>
+        <p:cNvGrpSpPr/>
+        <p:nvPr/>
+      </p:nvGrpSpPr>
+      <p:grpSpPr>
+        <a:xfrm>
+          <a:off x="0" y="0"/>
+          <a:ext cx="0" cy="0"/>
+          <a:chOff x="0" y="0"/>
+          <a:chExt cx="0" cy="0"/>
+        </a:xfrm>
+      </p:grpSpPr>
+      <p:sp>
+        <p:nvSpPr>
+          <p:cNvPr id="2" name="Título 1"/>
+          <p:cNvSpPr>
+            <a:spLocks noGrp="1"/>
+          </p:cNvSpPr>
+          <p:nvPr>
+            <p:ph type="title"/>
+          </p:nvPr>
+        </p:nvSpPr>
+        <p:spPr>
+          <a:xfrm>
+            <a:off x="839788" y="457200"/>
+            <a:ext cx="6494073" cy="1600200"/>
+          </a:xfrm>
+        </p:spPr>
+        <p:txBody>
+          <a:bodyPr/>
+          <a:lstStyle/>
+          <a:p>
+            <a:r>
+              <a:rPr lang="es-ES" dirty="0"/>
+              <a:t>FOTOS DEL SISTEMA</a:t>
+            </a:r>
+          </a:p>
+        </p:txBody>
+      </p:sp>
+      <p:sp>
+        <p:nvSpPr>
+          <p:cNvPr id="3" name="Marcador de contenido 2"/>
+          <p:cNvSpPr>
+            <a:spLocks noGrp="1"/>
+          </p:cNvSpPr>
+          <p:nvPr>
+            <p:ph idx="1"/>
+          </p:nvPr>
+        </p:nvSpPr>
+        <p:spPr/>
+        <p:txBody>
+          <a:bodyPr/>
+          <a:lstStyle/>
+          <a:p>
+            <a:endParaRPr lang="es-ES" dirty="0"/>
+          </a:p>
+        </p:txBody>
+      </p:sp>
+      <p:sp>
+        <p:nvSpPr>
+          <p:cNvPr id="4" name="Marcador de texto 3"/>
+          <p:cNvSpPr>
+            <a:spLocks noGrp="1"/>
+          </p:cNvSpPr>
+          <p:nvPr>
+            <p:ph type="body" sz="half" idx="2"/>
+          </p:nvPr>
+        </p:nvSpPr>
+        <p:spPr/>
+        <p:txBody>
+          <a:bodyPr/>
+          <a:lstStyle/>
+          <a:p>
+            <a:endParaRPr lang="es-ES"/>
+          </a:p>
+        </p:txBody>
+      </p:sp>
+    </p:spTree>
+    <p:extLst>
+      <p:ext uri="{BB962C8B-B14F-4D97-AF65-F5344CB8AC3E}">
+        <p14:creationId xmlns:p14="http://schemas.microsoft.com/office/powerpoint/2010/main" val="1327221059"/>
+      </p:ext>
+    </p:extLst>
+  </p:cSld>
+  <p:clrMapOvr>
+    <a:masterClrMapping/>
+  </p:clrMapOvr>
+</p:sld>
+</file>
+
+<file path=ppt/slides/slide9.xml><?xml version="1.0" encoding="utf-8"?>
+<p:sld xmlns:a="http://schemas.openxmlformats.org/drawingml/2006/main" xmlns:r="http://schemas.openxmlformats.org/officeDocument/2006/relationships" xmlns:p="http://schemas.openxmlformats.org/presentationml/2006/main">
+  <p:cSld>
+    <p:spTree>
+      <p:nvGrpSpPr>
+        <p:cNvPr id="1" name=""/>
+        <p:cNvGrpSpPr/>
+        <p:nvPr/>
+      </p:nvGrpSpPr>
+      <p:grpSpPr>
+        <a:xfrm>
+          <a:off x="0" y="0"/>
+          <a:ext cx="0" cy="0"/>
+          <a:chOff x="0" y="0"/>
+          <a:chExt cx="0" cy="0"/>
+        </a:xfrm>
+      </p:grpSpPr>
+      <p:sp>
+        <p:nvSpPr>
+          <p:cNvPr id="3" name="Título 1"/>
+          <p:cNvSpPr txBox="1">
+            <a:spLocks/>
+          </p:cNvSpPr>
+          <p:nvPr/>
+        </p:nvSpPr>
+        <p:spPr>
+          <a:xfrm>
+            <a:off x="838200" y="365125"/>
+            <a:ext cx="10515600" cy="1325563"/>
+          </a:xfrm>
+          <a:prstGeom prst="rect">
+            <a:avLst/>
+          </a:prstGeom>
+        </p:spPr>
+        <p:txBody>
+          <a:bodyPr/>
+          <a:lstStyle>
+            <a:lvl1pPr algn="l" defTabSz="914400" rtl="0" eaLnBrk="1" latinLnBrk="0" hangingPunct="1">
+              <a:lnSpc>
+                <a:spcPct val="90000"/>
+              </a:lnSpc>
+              <a:spcBef>
+                <a:spcPct val="0"/>
+              </a:spcBef>
+              <a:buNone/>
+              <a:defRPr sz="4400" kern="1200">
+                <a:solidFill>
+                  <a:schemeClr val="tx1"/>
+                </a:solidFill>
+                <a:latin typeface="+mj-lt"/>
+                <a:ea typeface="+mj-ea"/>
+                <a:cs typeface="+mj-cs"/>
+              </a:defRPr>
+            </a:lvl1pPr>
+          </a:lstStyle>
+          <a:p>
+            <a:endParaRPr lang="es-ES" dirty="0"/>
+          </a:p>
+        </p:txBody>
+      </p:sp>
+      <p:pic>
+        <p:nvPicPr>
+          <p:cNvPr id="1030" name="Picture 6" descr="https://www.cloudamqp.com/img/cloudamqp-anim.gif"/>
+          <p:cNvPicPr>
+            <a:picLocks noChangeAspect="1" noChangeArrowheads="1" noCrop="1"/>
+          </p:cNvPicPr>
+          <p:nvPr/>
+        </p:nvPicPr>
+        <p:blipFill>
+          <a:blip r:embed="rId2">
+            <a:extLst>
+              <a:ext uri="{28A0092B-C50C-407E-A947-70E740481C1C}">
+                <a14:useLocalDpi xmlns:a14="http://schemas.microsoft.com/office/drawing/2010/main" val="0"/>
+              </a:ext>
+            </a:extLst>
+          </a:blip>
+          <a:srcRect/>
+          <a:stretch>
+            <a:fillRect/>
+          </a:stretch>
+        </p:blipFill>
+        <p:spPr bwMode="auto">
+          <a:xfrm>
+            <a:off x="5948265" y="2061827"/>
+            <a:ext cx="6243735" cy="3175385"/>
+          </a:xfrm>
+          <a:prstGeom prst="rect">
+            <a:avLst/>
+          </a:prstGeom>
+          <a:noFill/>
+          <a:extLst>
+            <a:ext uri="{909E8E84-426E-40DD-AFC4-6F175D3DCCD1}">
+              <a14:hiddenFill xmlns:a14="http://schemas.microsoft.com/office/drawing/2010/main">
+                <a:solidFill>
+                  <a:srgbClr val="FFFFFF"/>
+                </a:solidFill>
+              </a14:hiddenFill>
+            </a:ext>
+          </a:extLst>
+        </p:spPr>
+      </p:pic>
+      <p:pic>
+        <p:nvPicPr>
+          <p:cNvPr id="1032" name="Picture 8" descr="Resultado de imagen de cloudamqp"/>
+          <p:cNvPicPr>
+            <a:picLocks noChangeAspect="1" noChangeArrowheads="1"/>
+          </p:cNvPicPr>
+          <p:nvPr/>
+        </p:nvPicPr>
+        <p:blipFill>
+          <a:blip r:embed="rId3">
+            <a:extLst>
+              <a:ext uri="{28A0092B-C50C-407E-A947-70E740481C1C}">
+                <a14:useLocalDpi xmlns:a14="http://schemas.microsoft.com/office/drawing/2010/main" val="0"/>
+              </a:ext>
+            </a:extLst>
+          </a:blip>
+          <a:srcRect/>
+          <a:stretch>
+            <a:fillRect/>
+          </a:stretch>
+        </p:blipFill>
+        <p:spPr bwMode="auto">
+          <a:xfrm>
+            <a:off x="838200" y="245549"/>
+            <a:ext cx="5924893" cy="1455237"/>
+          </a:xfrm>
+          <a:prstGeom prst="rect">
+            <a:avLst/>
+          </a:prstGeom>
+          <a:noFill/>
+          <a:extLst>
+            <a:ext uri="{909E8E84-426E-40DD-AFC4-6F175D3DCCD1}">
+              <a14:hiddenFill xmlns:a14="http://schemas.microsoft.com/office/drawing/2010/main">
+                <a:solidFill>
+                  <a:srgbClr val="FFFFFF"/>
+                </a:solidFill>
+              </a14:hiddenFill>
+            </a:ext>
+          </a:extLst>
+        </p:spPr>
+      </p:pic>
+      <p:sp>
+        <p:nvSpPr>
+          <p:cNvPr id="7" name="Marcador de texto 3"/>
+          <p:cNvSpPr txBox="1">
+            <a:spLocks/>
+          </p:cNvSpPr>
+          <p:nvPr/>
+        </p:nvSpPr>
+        <p:spPr>
+          <a:xfrm>
+            <a:off x="838200" y="2504897"/>
+            <a:ext cx="4947891" cy="3811588"/>
+          </a:xfrm>
+          <a:prstGeom prst="rect">
+            <a:avLst/>
+          </a:prstGeom>
+        </p:spPr>
+        <p:txBody>
+          <a:bodyPr>
+            <a:normAutofit/>
+          </a:bodyPr>
+          <a:lstStyle>
+            <a:lvl1pPr marL="228600" indent="-228600" algn="l" defTabSz="914400" rtl="0" eaLnBrk="1" latinLnBrk="0" hangingPunct="1">
+              <a:lnSpc>
+                <a:spcPct val="90000"/>
+              </a:lnSpc>
+              <a:spcBef>
+                <a:spcPts val="1000"/>
+              </a:spcBef>
+              <a:buFont typeface="Arial" panose="020B0604020202020204" pitchFamily="34" charset="0"/>
+              <a:buChar char="•"/>
+              <a:defRPr sz="2800" kern="1200">
+                <a:solidFill>
+                  <a:schemeClr val="tx1"/>
+                </a:solidFill>
+                <a:latin typeface="+mn-lt"/>
+                <a:ea typeface="+mn-ea"/>
+                <a:cs typeface="+mn-cs"/>
+              </a:defRPr>
+            </a:lvl1pPr>
+            <a:lvl2pPr marL="685800" indent="-228600" algn="l" defTabSz="914400" rtl="0" eaLnBrk="1" latinLnBrk="0" hangingPunct="1">
+              <a:lnSpc>
+                <a:spcPct val="90000"/>
+              </a:lnSpc>
+              <a:spcBef>
+                <a:spcPts val="500"/>
+              </a:spcBef>
+              <a:buFont typeface="Arial" panose="020B0604020202020204" pitchFamily="34" charset="0"/>
+              <a:buChar char="•"/>
+              <a:defRPr sz="2400" kern="1200">
+                <a:solidFill>
+                  <a:schemeClr val="tx1"/>
+                </a:solidFill>
+                <a:latin typeface="+mn-lt"/>
+                <a:ea typeface="+mn-ea"/>
+                <a:cs typeface="+mn-cs"/>
+              </a:defRPr>
+            </a:lvl2pPr>
+            <a:lvl3pPr marL="1143000" indent="-228600" algn="l" defTabSz="914400" rtl="0" eaLnBrk="1" latinLnBrk="0" hangingPunct="1">
+              <a:lnSpc>
+                <a:spcPct val="90000"/>
+              </a:lnSpc>
+              <a:spcBef>
+                <a:spcPts val="500"/>
+              </a:spcBef>
+              <a:buFont typeface="Arial" panose="020B0604020202020204" pitchFamily="34" charset="0"/>
+              <a:buChar char="•"/>
+              <a:defRPr sz="2000" kern="1200">
+                <a:solidFill>
+                  <a:schemeClr val="tx1"/>
+                </a:solidFill>
+                <a:latin typeface="+mn-lt"/>
+                <a:ea typeface="+mn-ea"/>
+                <a:cs typeface="+mn-cs"/>
+              </a:defRPr>
+            </a:lvl3pPr>
+            <a:lvl4pPr marL="1600200" indent="-228600" algn="l" defTabSz="914400" rtl="0" eaLnBrk="1" latinLnBrk="0" hangingPunct="1">
+              <a:lnSpc>
+                <a:spcPct val="90000"/>
+              </a:lnSpc>
+              <a:spcBef>
+                <a:spcPts val="500"/>
+              </a:spcBef>
+              <a:buFont typeface="Arial" panose="020B0604020202020204" pitchFamily="34" charset="0"/>
+              <a:buChar char="•"/>
+              <a:defRPr sz="1800" kern="1200">
+                <a:solidFill>
+                  <a:schemeClr val="tx1"/>
+                </a:solidFill>
+                <a:latin typeface="+mn-lt"/>
+                <a:ea typeface="+mn-ea"/>
+                <a:cs typeface="+mn-cs"/>
+              </a:defRPr>
+            </a:lvl4pPr>
+            <a:lvl5pPr marL="2057400" indent="-228600" algn="l" defTabSz="914400" rtl="0" eaLnBrk="1" latinLnBrk="0" hangingPunct="1">
+              <a:lnSpc>
+                <a:spcPct val="90000"/>
+              </a:lnSpc>
+              <a:spcBef>
+                <a:spcPts val="500"/>
+              </a:spcBef>
+              <a:buFont typeface="Arial" panose="020B0604020202020204" pitchFamily="34" charset="0"/>
+              <a:buChar char="•"/>
+              <a:defRPr sz="1800" kern="1200">
+                <a:solidFill>
+                  <a:schemeClr val="tx1"/>
+                </a:solidFill>
+                <a:latin typeface="+mn-lt"/>
+                <a:ea typeface="+mn-ea"/>
+                <a:cs typeface="+mn-cs"/>
+              </a:defRPr>
+            </a:lvl5pPr>
+            <a:lvl6pPr marL="2514600" indent="-228600" algn="l" defTabSz="914400" rtl="0" eaLnBrk="1" latinLnBrk="0" hangingPunct="1">
+              <a:lnSpc>
+                <a:spcPct val="90000"/>
+              </a:lnSpc>
+              <a:spcBef>
+                <a:spcPts val="500"/>
+              </a:spcBef>
+              <a:buFont typeface="Arial" panose="020B0604020202020204" pitchFamily="34" charset="0"/>
+              <a:buChar char="•"/>
+              <a:defRPr sz="1800" kern="1200">
+                <a:solidFill>
+                  <a:schemeClr val="tx1"/>
+                </a:solidFill>
+                <a:latin typeface="+mn-lt"/>
+                <a:ea typeface="+mn-ea"/>
+                <a:cs typeface="+mn-cs"/>
+              </a:defRPr>
+            </a:lvl6pPr>
+            <a:lvl7pPr marL="2971800" indent="-228600" algn="l" defTabSz="914400" rtl="0" eaLnBrk="1" latinLnBrk="0" hangingPunct="1">
+              <a:lnSpc>
+                <a:spcPct val="90000"/>
+              </a:lnSpc>
+              <a:spcBef>
+                <a:spcPts val="500"/>
+              </a:spcBef>
+              <a:buFont typeface="Arial" panose="020B0604020202020204" pitchFamily="34" charset="0"/>
+              <a:buChar char="•"/>
+              <a:defRPr sz="1800" kern="1200">
+                <a:solidFill>
+                  <a:schemeClr val="tx1"/>
+                </a:solidFill>
+                <a:latin typeface="+mn-lt"/>
+                <a:ea typeface="+mn-ea"/>
+                <a:cs typeface="+mn-cs"/>
+              </a:defRPr>
+            </a:lvl7pPr>
+            <a:lvl8pPr marL="3429000" indent="-228600" algn="l" defTabSz="914400" rtl="0" eaLnBrk="1" latinLnBrk="0" hangingPunct="1">
+              <a:lnSpc>
+                <a:spcPct val="90000"/>
+              </a:lnSpc>
+              <a:spcBef>
+                <a:spcPts val="500"/>
+              </a:spcBef>
+              <a:buFont typeface="Arial" panose="020B0604020202020204" pitchFamily="34" charset="0"/>
+              <a:buChar char="•"/>
+              <a:defRPr sz="1800" kern="1200">
+                <a:solidFill>
+                  <a:schemeClr val="tx1"/>
+                </a:solidFill>
+                <a:latin typeface="+mn-lt"/>
+                <a:ea typeface="+mn-ea"/>
+                <a:cs typeface="+mn-cs"/>
+              </a:defRPr>
+            </a:lvl8pPr>
+            <a:lvl9pPr marL="3886200" indent="-228600" algn="l" defTabSz="914400" rtl="0" eaLnBrk="1" latinLnBrk="0" hangingPunct="1">
+              <a:lnSpc>
+                <a:spcPct val="90000"/>
+              </a:lnSpc>
+              <a:spcBef>
+                <a:spcPts val="500"/>
+              </a:spcBef>
+              <a:buFont typeface="Arial" panose="020B0604020202020204" pitchFamily="34" charset="0"/>
+              <a:buChar char="•"/>
+              <a:defRPr sz="1800" kern="1200">
+                <a:solidFill>
+                  <a:schemeClr val="tx1"/>
+                </a:solidFill>
+                <a:latin typeface="+mn-lt"/>
+                <a:ea typeface="+mn-ea"/>
+                <a:cs typeface="+mn-cs"/>
+              </a:defRPr>
+            </a:lvl9pPr>
+          </a:lstStyle>
+          <a:p>
+            <a:pPr marL="285750" indent="-285750"/>
+            <a:r>
+              <a:rPr lang="es-ES" sz="2400" dirty="0" err="1">
+                <a:latin typeface="+mj-lt"/>
+              </a:rPr>
               <a:t>Broker</a:t>
             </a:r>
             <a:r>
@@ -4418,235 +6710,6 @@
   <p:clrMapOvr>
     <a:masterClrMapping/>
   </p:clrMapOvr>
-</p:sld>
-</file>
-
-<file path=ppt/slides/slide9.xml><?xml version="1.0" encoding="utf-8"?>
-<p:sld xmlns:a="http://schemas.openxmlformats.org/drawingml/2006/main" xmlns:r="http://schemas.openxmlformats.org/officeDocument/2006/relationships" xmlns:p="http://schemas.openxmlformats.org/presentationml/2006/main">
-  <p:cSld>
-    <p:spTree>
-      <p:nvGrpSpPr>
-        <p:cNvPr id="1" name=""/>
-        <p:cNvGrpSpPr/>
-        <p:nvPr/>
-      </p:nvGrpSpPr>
-      <p:grpSpPr>
-        <a:xfrm>
-          <a:off x="0" y="0"/>
-          <a:ext cx="0" cy="0"/>
-          <a:chOff x="0" y="0"/>
-          <a:chExt cx="0" cy="0"/>
-        </a:xfrm>
-      </p:grpSpPr>
-      <p:sp>
-        <p:nvSpPr>
-          <p:cNvPr id="3" name="Título 1"/>
-          <p:cNvSpPr txBox="1">
-            <a:spLocks/>
-          </p:cNvSpPr>
-          <p:nvPr/>
-        </p:nvSpPr>
-        <p:spPr>
-          <a:xfrm>
-            <a:off x="838200" y="365125"/>
-            <a:ext cx="10515600" cy="1325563"/>
-          </a:xfrm>
-          <a:prstGeom prst="rect">
-            <a:avLst/>
-          </a:prstGeom>
-        </p:spPr>
-        <p:txBody>
-          <a:bodyPr/>
-          <a:lstStyle>
-            <a:lvl1pPr algn="l" defTabSz="914400" rtl="0" eaLnBrk="1" latinLnBrk="0" hangingPunct="1">
-              <a:lnSpc>
-                <a:spcPct val="90000"/>
-              </a:lnSpc>
-              <a:spcBef>
-                <a:spcPct val="0"/>
-              </a:spcBef>
-              <a:buNone/>
-              <a:defRPr sz="4400" kern="1200">
-                <a:solidFill>
-                  <a:schemeClr val="tx1"/>
-                </a:solidFill>
-                <a:latin typeface="+mj-lt"/>
-                <a:ea typeface="+mj-ea"/>
-                <a:cs typeface="+mj-cs"/>
-              </a:defRPr>
-            </a:lvl1pPr>
-          </a:lstStyle>
-          <a:p>
-            <a:r>
-              <a:rPr lang="es-ES" dirty="0"/>
-              <a:t>Colas y centralitas</a:t>
-            </a:r>
-          </a:p>
-        </p:txBody>
-      </p:sp>
-      <p:pic>
-        <p:nvPicPr>
-          <p:cNvPr id="1028" name="Picture 4" descr="https://i.gyazo.com/6a0b3643b318892812786389ff4a3bc6.png"/>
-          <p:cNvPicPr>
-            <a:picLocks noChangeAspect="1" noChangeArrowheads="1"/>
-          </p:cNvPicPr>
-          <p:nvPr/>
-        </p:nvPicPr>
-        <p:blipFill>
-          <a:blip r:embed="rId2">
-            <a:extLst>
-              <a:ext uri="{28A0092B-C50C-407E-A947-70E740481C1C}">
-                <a14:useLocalDpi xmlns:a14="http://schemas.microsoft.com/office/drawing/2010/main" val="0"/>
-              </a:ext>
-            </a:extLst>
-          </a:blip>
-          <a:srcRect/>
-          <a:stretch>
-            <a:fillRect/>
-          </a:stretch>
-        </p:blipFill>
-        <p:spPr bwMode="auto">
-          <a:xfrm>
-            <a:off x="3483867" y="1095018"/>
-            <a:ext cx="5224266" cy="5644145"/>
-          </a:xfrm>
-          <a:prstGeom prst="rect">
-            <a:avLst/>
-          </a:prstGeom>
-          <a:noFill/>
-          <a:extLst>
-            <a:ext uri="{909E8E84-426E-40DD-AFC4-6F175D3DCCD1}">
-              <a14:hiddenFill xmlns:a14="http://schemas.microsoft.com/office/drawing/2010/main">
-                <a:solidFill>
-                  <a:srgbClr val="FFFFFF"/>
-                </a:solidFill>
-              </a14:hiddenFill>
-            </a:ext>
-          </a:extLst>
-        </p:spPr>
-      </p:pic>
-      <p:pic>
-        <p:nvPicPr>
-          <p:cNvPr id="4" name="Picture 10" descr="https://www.cloudamqp.com/img/plans/lemur_256.png"/>
-          <p:cNvPicPr>
-            <a:picLocks noChangeAspect="1" noChangeArrowheads="1"/>
-          </p:cNvPicPr>
-          <p:nvPr/>
-        </p:nvPicPr>
-        <p:blipFill>
-          <a:blip r:embed="rId3">
-            <a:extLst>
-              <a:ext uri="{28A0092B-C50C-407E-A947-70E740481C1C}">
-                <a14:useLocalDpi xmlns:a14="http://schemas.microsoft.com/office/drawing/2010/main" val="0"/>
-              </a:ext>
-            </a:extLst>
-          </a:blip>
-          <a:srcRect/>
-          <a:stretch>
-            <a:fillRect/>
-          </a:stretch>
-        </p:blipFill>
-        <p:spPr bwMode="auto">
-          <a:xfrm>
-            <a:off x="9733012" y="2296302"/>
-            <a:ext cx="1620788" cy="1620788"/>
-          </a:xfrm>
-          <a:prstGeom prst="rect">
-            <a:avLst/>
-          </a:prstGeom>
-          <a:noFill/>
-          <a:extLst>
-            <a:ext uri="{909E8E84-426E-40DD-AFC4-6F175D3DCCD1}">
-              <a14:hiddenFill xmlns:a14="http://schemas.microsoft.com/office/drawing/2010/main">
-                <a:solidFill>
-                  <a:srgbClr val="FFFFFF"/>
-                </a:solidFill>
-              </a14:hiddenFill>
-            </a:ext>
-          </a:extLst>
-        </p:spPr>
-      </p:pic>
-    </p:spTree>
-    <p:extLst>
-      <p:ext uri="{BB962C8B-B14F-4D97-AF65-F5344CB8AC3E}">
-        <p14:creationId xmlns:p14="http://schemas.microsoft.com/office/powerpoint/2010/main" val="4291415578"/>
-      </p:ext>
-    </p:extLst>
-  </p:cSld>
-  <p:clrMapOvr>
-    <a:masterClrMapping/>
-  </p:clrMapOvr>
-  <p:timing>
-    <p:tnLst>
-      <p:par>
-        <p:cTn id="1" dur="indefinite" restart="never" nodeType="tmRoot">
-          <p:childTnLst>
-            <p:seq concurrent="1" nextAc="seek">
-              <p:cTn id="2" dur="indefinite" nodeType="mainSeq">
-                <p:childTnLst>
-                  <p:par>
-                    <p:cTn id="3" fill="hold">
-                      <p:stCondLst>
-                        <p:cond delay="indefinite"/>
-                        <p:cond evt="onBegin" delay="0">
-                          <p:tn val="2"/>
-                        </p:cond>
-                      </p:stCondLst>
-                      <p:childTnLst>
-                        <p:par>
-                          <p:cTn id="4" fill="hold">
-                            <p:stCondLst>
-                              <p:cond delay="0"/>
-                            </p:stCondLst>
-                            <p:childTnLst>
-                              <p:par>
-                                <p:cTn id="5" presetID="8" presetClass="emph" presetSubtype="0" repeatCount="indefinite" fill="hold" nodeType="afterEffect">
-                                  <p:stCondLst>
-                                    <p:cond delay="0"/>
-                                  </p:stCondLst>
-                                  <p:childTnLst>
-                                    <p:animRot by="21600000">
-                                      <p:cBhvr>
-                                        <p:cTn id="6" dur="2000" fill="hold"/>
-                                        <p:tgtEl>
-                                          <p:spTgt spid="4"/>
-                                        </p:tgtEl>
-                                        <p:attrNameLst>
-                                          <p:attrName>r</p:attrName>
-                                        </p:attrNameLst>
-                                      </p:cBhvr>
-                                    </p:animRot>
-                                  </p:childTnLst>
-                                </p:cTn>
-                              </p:par>
-                            </p:childTnLst>
-                          </p:cTn>
-                        </p:par>
-                      </p:childTnLst>
-                    </p:cTn>
-                  </p:par>
-                </p:childTnLst>
-              </p:cTn>
-              <p:prevCondLst>
-                <p:cond evt="onPrev" delay="0">
-                  <p:tgtEl>
-                    <p:sldTgt/>
-                  </p:tgtEl>
-                </p:cond>
-              </p:prevCondLst>
-              <p:nextCondLst>
-                <p:cond evt="onNext" delay="0">
-                  <p:tgtEl>
-                    <p:sldTgt/>
-                  </p:tgtEl>
-                </p:cond>
-              </p:nextCondLst>
-            </p:seq>
-          </p:childTnLst>
-        </p:cTn>
-      </p:par>
-    </p:tnLst>
-  </p:timing>
 </p:sld>
 </file>
 
@@ -4849,4 +6912,299 @@
     </a:ext>
   </a:extLst>
 </a:theme>
+</file>
+
+<file path=ppt/theme/theme2.xml><?xml version="1.0" encoding="utf-8"?>
+<a:theme xmlns:a="http://schemas.openxmlformats.org/drawingml/2006/main" name="Tema de Office">
+  <a:themeElements>
+    <a:clrScheme name="Office">
+      <a:dk1>
+        <a:sysClr val="windowText" lastClr="000000"/>
+      </a:dk1>
+      <a:lt1>
+        <a:sysClr val="window" lastClr="FFFFFF"/>
+      </a:lt1>
+      <a:dk2>
+        <a:srgbClr val="44546A"/>
+      </a:dk2>
+      <a:lt2>
+        <a:srgbClr val="E7E6E6"/>
+      </a:lt2>
+      <a:accent1>
+        <a:srgbClr val="4472C4"/>
+      </a:accent1>
+      <a:accent2>
+        <a:srgbClr val="ED7D31"/>
+      </a:accent2>
+      <a:accent3>
+        <a:srgbClr val="A5A5A5"/>
+      </a:accent3>
+      <a:accent4>
+        <a:srgbClr val="FFC000"/>
+      </a:accent4>
+      <a:accent5>
+        <a:srgbClr val="5B9BD5"/>
+      </a:accent5>
+      <a:accent6>
+        <a:srgbClr val="70AD47"/>
+      </a:accent6>
+      <a:hlink>
+        <a:srgbClr val="0563C1"/>
+      </a:hlink>
+      <a:folHlink>
+        <a:srgbClr val="954F72"/>
+      </a:folHlink>
+    </a:clrScheme>
+    <a:fontScheme name="Office">
+      <a:majorFont>
+        <a:latin typeface="Calibri Light" panose="020F0302020204030204"/>
+        <a:ea typeface=""/>
+        <a:cs typeface=""/>
+        <a:font script="Jpan" typeface="游ゴシック Light"/>
+        <a:font script="Hang" typeface="맑은 고딕"/>
+        <a:font script="Hans" typeface="等线 Light"/>
+        <a:font script="Hant" typeface="新細明體"/>
+        <a:font script="Arab" typeface="Times New Roman"/>
+        <a:font script="Hebr" typeface="Times New Roman"/>
+        <a:font script="Thai" typeface="Angsana New"/>
+        <a:font script="Ethi" typeface="Nyala"/>
+        <a:font script="Beng" typeface="Vrinda"/>
+        <a:font script="Gujr" typeface="Shruti"/>
+        <a:font script="Khmr" typeface="MoolBoran"/>
+        <a:font script="Knda" typeface="Tunga"/>
+        <a:font script="Guru" typeface="Raavi"/>
+        <a:font script="Cans" typeface="Euphemia"/>
+        <a:font script="Cher" typeface="Plantagenet Cherokee"/>
+        <a:font script="Yiii" typeface="Microsoft Yi Baiti"/>
+        <a:font script="Tibt" typeface="Microsoft Himalaya"/>
+        <a:font script="Thaa" typeface="MV Boli"/>
+        <a:font script="Deva" typeface="Mangal"/>
+        <a:font script="Telu" typeface="Gautami"/>
+        <a:font script="Taml" typeface="Latha"/>
+        <a:font script="Syrc" typeface="Estrangelo Edessa"/>
+        <a:font script="Orya" typeface="Kalinga"/>
+        <a:font script="Mlym" typeface="Kartika"/>
+        <a:font script="Laoo" typeface="DokChampa"/>
+        <a:font script="Sinh" typeface="Iskoola Pota"/>
+        <a:font script="Mong" typeface="Mongolian Baiti"/>
+        <a:font script="Viet" typeface="Times New Roman"/>
+        <a:font script="Uigh" typeface="Microsoft Uighur"/>
+        <a:font script="Geor" typeface="Sylfaen"/>
+        <a:font script="Armn" typeface="Arial"/>
+        <a:font script="Bugi" typeface="Leelawadee UI"/>
+        <a:font script="Bopo" typeface="Microsoft JhengHei"/>
+        <a:font script="Java" typeface="Javanese Text"/>
+        <a:font script="Lisu" typeface="Segoe UI"/>
+        <a:font script="Mymr" typeface="Myanmar Text"/>
+        <a:font script="Nkoo" typeface="Ebrima"/>
+        <a:font script="Olck" typeface="Nirmala UI"/>
+        <a:font script="Osma" typeface="Ebrima"/>
+        <a:font script="Phag" typeface="Phagspa"/>
+        <a:font script="Syrn" typeface="Estrangelo Edessa"/>
+        <a:font script="Syrj" typeface="Estrangelo Edessa"/>
+        <a:font script="Syre" typeface="Estrangelo Edessa"/>
+        <a:font script="Sora" typeface="Nirmala UI"/>
+        <a:font script="Tale" typeface="Microsoft Tai Le"/>
+        <a:font script="Talu" typeface="Microsoft New Tai Lue"/>
+        <a:font script="Tfng" typeface="Ebrima"/>
+      </a:majorFont>
+      <a:minorFont>
+        <a:latin typeface="Calibri" panose="020F0502020204030204"/>
+        <a:ea typeface=""/>
+        <a:cs typeface=""/>
+        <a:font script="Jpan" typeface="游ゴシック"/>
+        <a:font script="Hang" typeface="맑은 고딕"/>
+        <a:font script="Hans" typeface="等线"/>
+        <a:font script="Hant" typeface="新細明體"/>
+        <a:font script="Arab" typeface="Arial"/>
+        <a:font script="Hebr" typeface="Arial"/>
+        <a:font script="Thai" typeface="Cordia New"/>
+        <a:font script="Ethi" typeface="Nyala"/>
+        <a:font script="Beng" typeface="Vrinda"/>
+        <a:font script="Gujr" typeface="Shruti"/>
+        <a:font script="Khmr" typeface="DaunPenh"/>
+        <a:font script="Knda" typeface="Tunga"/>
+        <a:font script="Guru" typeface="Raavi"/>
+        <a:font script="Cans" typeface="Euphemia"/>
+        <a:font script="Cher" typeface="Plantagenet Cherokee"/>
+        <a:font script="Yiii" typeface="Microsoft Yi Baiti"/>
+        <a:font script="Tibt" typeface="Microsoft Himalaya"/>
+        <a:font script="Thaa" typeface="MV Boli"/>
+        <a:font script="Deva" typeface="Mangal"/>
+        <a:font script="Telu" typeface="Gautami"/>
+        <a:font script="Taml" typeface="Latha"/>
+        <a:font script="Syrc" typeface="Estrangelo Edessa"/>
+        <a:font script="Orya" typeface="Kalinga"/>
+        <a:font script="Mlym" typeface="Kartika"/>
+        <a:font script="Laoo" typeface="DokChampa"/>
+        <a:font script="Sinh" typeface="Iskoola Pota"/>
+        <a:font script="Mong" typeface="Mongolian Baiti"/>
+        <a:font script="Viet" typeface="Arial"/>
+        <a:font script="Uigh" typeface="Microsoft Uighur"/>
+        <a:font script="Geor" typeface="Sylfaen"/>
+        <a:font script="Armn" typeface="Arial"/>
+        <a:font script="Bugi" typeface="Leelawadee UI"/>
+        <a:font script="Bopo" typeface="Microsoft JhengHei"/>
+        <a:font script="Java" typeface="Javanese Text"/>
+        <a:font script="Lisu" typeface="Segoe UI"/>
+        <a:font script="Mymr" typeface="Myanmar Text"/>
+        <a:font script="Nkoo" typeface="Ebrima"/>
+        <a:font script="Olck" typeface="Nirmala UI"/>
+        <a:font script="Osma" typeface="Ebrima"/>
+        <a:font script="Phag" typeface="Phagspa"/>
+        <a:font script="Syrn" typeface="Estrangelo Edessa"/>
+        <a:font script="Syrj" typeface="Estrangelo Edessa"/>
+        <a:font script="Syre" typeface="Estrangelo Edessa"/>
+        <a:font script="Sora" typeface="Nirmala UI"/>
+        <a:font script="Tale" typeface="Microsoft Tai Le"/>
+        <a:font script="Talu" typeface="Microsoft New Tai Lue"/>
+        <a:font script="Tfng" typeface="Ebrima"/>
+      </a:minorFont>
+    </a:fontScheme>
+    <a:fmtScheme name="Office">
+      <a:fillStyleLst>
+        <a:solidFill>
+          <a:schemeClr val="phClr"/>
+        </a:solidFill>
+        <a:gradFill rotWithShape="1">
+          <a:gsLst>
+            <a:gs pos="0">
+              <a:schemeClr val="phClr">
+                <a:lumMod val="110000"/>
+                <a:satMod val="105000"/>
+                <a:tint val="67000"/>
+              </a:schemeClr>
+            </a:gs>
+            <a:gs pos="50000">
+              <a:schemeClr val="phClr">
+                <a:lumMod val="105000"/>
+                <a:satMod val="103000"/>
+                <a:tint val="73000"/>
+              </a:schemeClr>
+            </a:gs>
+            <a:gs pos="100000">
+              <a:schemeClr val="phClr">
+                <a:lumMod val="105000"/>
+                <a:satMod val="109000"/>
+                <a:tint val="81000"/>
+              </a:schemeClr>
+            </a:gs>
+          </a:gsLst>
+          <a:lin ang="5400000" scaled="0"/>
+        </a:gradFill>
+        <a:gradFill rotWithShape="1">
+          <a:gsLst>
+            <a:gs pos="0">
+              <a:schemeClr val="phClr">
+                <a:satMod val="103000"/>
+                <a:lumMod val="102000"/>
+                <a:tint val="94000"/>
+              </a:schemeClr>
+            </a:gs>
+            <a:gs pos="50000">
+              <a:schemeClr val="phClr">
+                <a:satMod val="110000"/>
+                <a:lumMod val="100000"/>
+                <a:shade val="100000"/>
+              </a:schemeClr>
+            </a:gs>
+            <a:gs pos="100000">
+              <a:schemeClr val="phClr">
+                <a:lumMod val="99000"/>
+                <a:satMod val="120000"/>
+                <a:shade val="78000"/>
+              </a:schemeClr>
+            </a:gs>
+          </a:gsLst>
+          <a:lin ang="5400000" scaled="0"/>
+        </a:gradFill>
+      </a:fillStyleLst>
+      <a:lnStyleLst>
+        <a:ln w="6350" cap="flat" cmpd="sng" algn="ctr">
+          <a:solidFill>
+            <a:schemeClr val="phClr"/>
+          </a:solidFill>
+          <a:prstDash val="solid"/>
+          <a:miter lim="800000"/>
+        </a:ln>
+        <a:ln w="12700" cap="flat" cmpd="sng" algn="ctr">
+          <a:solidFill>
+            <a:schemeClr val="phClr"/>
+          </a:solidFill>
+          <a:prstDash val="solid"/>
+          <a:miter lim="800000"/>
+        </a:ln>
+        <a:ln w="19050" cap="flat" cmpd="sng" algn="ctr">
+          <a:solidFill>
+            <a:schemeClr val="phClr"/>
+          </a:solidFill>
+          <a:prstDash val="solid"/>
+          <a:miter lim="800000"/>
+        </a:ln>
+      </a:lnStyleLst>
+      <a:effectStyleLst>
+        <a:effectStyle>
+          <a:effectLst/>
+        </a:effectStyle>
+        <a:effectStyle>
+          <a:effectLst/>
+        </a:effectStyle>
+        <a:effectStyle>
+          <a:effectLst>
+            <a:outerShdw blurRad="57150" dist="19050" dir="5400000" algn="ctr" rotWithShape="0">
+              <a:srgbClr val="000000">
+                <a:alpha val="63000"/>
+              </a:srgbClr>
+            </a:outerShdw>
+          </a:effectLst>
+        </a:effectStyle>
+      </a:effectStyleLst>
+      <a:bgFillStyleLst>
+        <a:solidFill>
+          <a:schemeClr val="phClr"/>
+        </a:solidFill>
+        <a:solidFill>
+          <a:schemeClr val="phClr">
+            <a:tint val="95000"/>
+            <a:satMod val="170000"/>
+          </a:schemeClr>
+        </a:solidFill>
+        <a:gradFill rotWithShape="1">
+          <a:gsLst>
+            <a:gs pos="0">
+              <a:schemeClr val="phClr">
+                <a:tint val="93000"/>
+                <a:satMod val="150000"/>
+                <a:shade val="98000"/>
+                <a:lumMod val="102000"/>
+              </a:schemeClr>
+            </a:gs>
+            <a:gs pos="50000">
+              <a:schemeClr val="phClr">
+                <a:tint val="98000"/>
+                <a:satMod val="130000"/>
+                <a:shade val="90000"/>
+                <a:lumMod val="103000"/>
+              </a:schemeClr>
+            </a:gs>
+            <a:gs pos="100000">
+              <a:schemeClr val="phClr">
+                <a:shade val="63000"/>
+                <a:satMod val="120000"/>
+              </a:schemeClr>
+            </a:gs>
+          </a:gsLst>
+          <a:lin ang="5400000" scaled="0"/>
+        </a:gradFill>
+      </a:bgFillStyleLst>
+    </a:fmtScheme>
+  </a:themeElements>
+  <a:objectDefaults/>
+  <a:extraClrSchemeLst/>
+  <a:extLst>
+    <a:ext uri="{05A4C25C-085E-4340-85A3-A5531E510DB2}">
+      <thm15:themeFamily xmlns:thm15="http://schemas.microsoft.com/office/thememl/2012/main" name="Office Theme" id="{62F939B6-93AF-4DB8-9C6B-D6C7DFDC589F}" vid="{4A3C46E8-61CC-4603-A589-7422A47A8E4A}"/>
+    </a:ext>
+  </a:extLst>
+</a:theme>
 </file>